--- a/OOP/Pre-lim/Week 1/Lab/Basics Syntax of PHP.pptx
+++ b/OOP/Pre-lim/Week 1/Lab/Basics Syntax of PHP.pptx
@@ -5,10 +5,10 @@
     <p:sldMasterId id="2147483658" r:id="rId4"/>
   </p:sldMasterIdLst>
   <p:notesMasterIdLst>
-    <p:notesMasterId r:id="rId29"/>
+    <p:notesMasterId r:id="rId30"/>
   </p:notesMasterIdLst>
   <p:handoutMasterIdLst>
-    <p:handoutMasterId r:id="rId30"/>
+    <p:handoutMasterId r:id="rId31"/>
   </p:handoutMasterIdLst>
   <p:sldIdLst>
     <p:sldId id="410" r:id="rId5"/>
@@ -17,24 +17,25 @@
     <p:sldId id="423" r:id="rId8"/>
     <p:sldId id="424" r:id="rId9"/>
     <p:sldId id="414" r:id="rId10"/>
-    <p:sldId id="428" r:id="rId11"/>
-    <p:sldId id="438" r:id="rId12"/>
-    <p:sldId id="439" r:id="rId13"/>
-    <p:sldId id="440" r:id="rId14"/>
-    <p:sldId id="415" r:id="rId15"/>
-    <p:sldId id="425" r:id="rId16"/>
-    <p:sldId id="426" r:id="rId17"/>
-    <p:sldId id="427" r:id="rId18"/>
-    <p:sldId id="429" r:id="rId19"/>
-    <p:sldId id="430" r:id="rId20"/>
-    <p:sldId id="431" r:id="rId21"/>
-    <p:sldId id="432" r:id="rId22"/>
-    <p:sldId id="433" r:id="rId23"/>
-    <p:sldId id="434" r:id="rId24"/>
-    <p:sldId id="435" r:id="rId25"/>
-    <p:sldId id="436" r:id="rId26"/>
-    <p:sldId id="437" r:id="rId27"/>
-    <p:sldId id="398" r:id="rId28"/>
+    <p:sldId id="438" r:id="rId11"/>
+    <p:sldId id="439" r:id="rId12"/>
+    <p:sldId id="440" r:id="rId13"/>
+    <p:sldId id="415" r:id="rId14"/>
+    <p:sldId id="425" r:id="rId15"/>
+    <p:sldId id="426" r:id="rId16"/>
+    <p:sldId id="427" r:id="rId17"/>
+    <p:sldId id="429" r:id="rId18"/>
+    <p:sldId id="430" r:id="rId19"/>
+    <p:sldId id="431" r:id="rId20"/>
+    <p:sldId id="432" r:id="rId21"/>
+    <p:sldId id="433" r:id="rId22"/>
+    <p:sldId id="434" r:id="rId23"/>
+    <p:sldId id="435" r:id="rId24"/>
+    <p:sldId id="436" r:id="rId25"/>
+    <p:sldId id="437" r:id="rId26"/>
+    <p:sldId id="442" r:id="rId27"/>
+    <p:sldId id="441" r:id="rId28"/>
+    <p:sldId id="398" r:id="rId29"/>
   </p:sldIdLst>
   <p:sldSz cx="12192000" cy="6858000"/>
   <p:notesSz cx="6858000" cy="9144000"/>
@@ -213,7 +214,7 @@
           <a:p>
             <a:fld id="{1EBEDD12-BCD5-485B-BCBC-34BB01D7923C}" type="datetimeFigureOut">
               <a:rPr lang="en-US" smtClean="0"/>
-              <a:t>8/11/2025</a:t>
+              <a:t>8/12/2025</a:t>
             </a:fld>
             <a:endParaRPr lang="en-US" dirty="0"/>
           </a:p>
@@ -427,7 +428,7 @@
           <a:p>
             <a:fld id="{6EE7A52F-9D89-7442-A8E9-48D1527B5F6B}" type="datetimeFigureOut">
               <a:rPr lang="en-US" smtClean="0"/>
-              <a:t>8/11/2025</a:t>
+              <a:t>8/12/2025</a:t>
             </a:fld>
             <a:endParaRPr lang="en-US" dirty="0"/>
           </a:p>
@@ -789,114 +790,6 @@
         <p:cNvPr id="1" name="">
           <a:extLst>
             <a:ext uri="{FF2B5EF4-FFF2-40B4-BE49-F238E27FC236}">
-              <a16:creationId xmlns:a16="http://schemas.microsoft.com/office/drawing/2014/main" id="{F8BA11A2-4FC4-3D86-CFEF-307EE9012D2C}"/>
-            </a:ext>
-          </a:extLst>
-        </p:cNvPr>
-        <p:cNvGrpSpPr/>
-        <p:nvPr/>
-      </p:nvGrpSpPr>
-      <p:grpSpPr>
-        <a:xfrm>
-          <a:off x="0" y="0"/>
-          <a:ext cx="0" cy="0"/>
-          <a:chOff x="0" y="0"/>
-          <a:chExt cx="0" cy="0"/>
-        </a:xfrm>
-      </p:grpSpPr>
-      <p:sp>
-        <p:nvSpPr>
-          <p:cNvPr id="2" name="Slide Image Placeholder 1">
-            <a:extLst>
-              <a:ext uri="{FF2B5EF4-FFF2-40B4-BE49-F238E27FC236}">
-                <a16:creationId xmlns:a16="http://schemas.microsoft.com/office/drawing/2014/main" id="{70DAD7AC-1F33-A057-2832-0515993F64C0}"/>
-              </a:ext>
-            </a:extLst>
-          </p:cNvPr>
-          <p:cNvSpPr>
-            <a:spLocks noGrp="1" noRot="1" noChangeAspect="1"/>
-          </p:cNvSpPr>
-          <p:nvPr>
-            <p:ph type="sldImg"/>
-          </p:nvPr>
-        </p:nvSpPr>
-        <p:spPr/>
-      </p:sp>
-      <p:sp>
-        <p:nvSpPr>
-          <p:cNvPr id="3" name="Notes Placeholder 2">
-            <a:extLst>
-              <a:ext uri="{FF2B5EF4-FFF2-40B4-BE49-F238E27FC236}">
-                <a16:creationId xmlns:a16="http://schemas.microsoft.com/office/drawing/2014/main" id="{3E182953-30EB-F119-D84F-26CA087AEF28}"/>
-              </a:ext>
-            </a:extLst>
-          </p:cNvPr>
-          <p:cNvSpPr>
-            <a:spLocks noGrp="1"/>
-          </p:cNvSpPr>
-          <p:nvPr>
-            <p:ph type="body" idx="1"/>
-          </p:nvPr>
-        </p:nvSpPr>
-        <p:spPr/>
-        <p:txBody>
-          <a:bodyPr/>
-          <a:lstStyle/>
-          <a:p>
-            <a:endParaRPr lang="en-US" dirty="0"/>
-          </a:p>
-        </p:txBody>
-      </p:sp>
-      <p:sp>
-        <p:nvSpPr>
-          <p:cNvPr id="4" name="Slide Number Placeholder 3">
-            <a:extLst>
-              <a:ext uri="{FF2B5EF4-FFF2-40B4-BE49-F238E27FC236}">
-                <a16:creationId xmlns:a16="http://schemas.microsoft.com/office/drawing/2014/main" id="{92861C15-B518-5BF3-385B-349EBC200DC9}"/>
-              </a:ext>
-            </a:extLst>
-          </p:cNvPr>
-          <p:cNvSpPr>
-            <a:spLocks noGrp="1"/>
-          </p:cNvSpPr>
-          <p:nvPr>
-            <p:ph type="sldNum" sz="quarter" idx="5"/>
-          </p:nvPr>
-        </p:nvSpPr>
-        <p:spPr/>
-        <p:txBody>
-          <a:bodyPr/>
-          <a:lstStyle/>
-          <a:p>
-            <a:fld id="{A89C7E07-3C67-C64C-8DA0-0404F6303970}" type="slidenum">
-              <a:rPr lang="en-US" smtClean="0"/>
-              <a:t>10</a:t>
-            </a:fld>
-            <a:endParaRPr lang="en-US" dirty="0"/>
-          </a:p>
-        </p:txBody>
-      </p:sp>
-    </p:spTree>
-    <p:extLst>
-      <p:ext uri="{BB962C8B-B14F-4D97-AF65-F5344CB8AC3E}">
-        <p14:creationId xmlns:p14="http://schemas.microsoft.com/office/powerpoint/2010/main" val="3557262127"/>
-      </p:ext>
-    </p:extLst>
-  </p:cSld>
-  <p:clrMapOvr>
-    <a:masterClrMapping/>
-  </p:clrMapOvr>
-</p:notes>
-</file>
-
-<file path=ppt/notesSlides/notesSlide11.xml><?xml version="1.0" encoding="utf-8"?>
-<p:notes xmlns:a="http://schemas.openxmlformats.org/drawingml/2006/main" xmlns:r="http://schemas.openxmlformats.org/officeDocument/2006/relationships" xmlns:p="http://schemas.openxmlformats.org/presentationml/2006/main">
-  <p:cSld>
-    <p:spTree>
-      <p:nvGrpSpPr>
-        <p:cNvPr id="1" name="">
-          <a:extLst>
-            <a:ext uri="{FF2B5EF4-FFF2-40B4-BE49-F238E27FC236}">
               <a16:creationId xmlns:a16="http://schemas.microsoft.com/office/drawing/2014/main" id="{367ECBD3-8FB8-A9DC-5FF1-BD95F2A0EFA2}"/>
             </a:ext>
           </a:extLst>
@@ -978,7 +871,7 @@
           <a:p>
             <a:fld id="{A89C7E07-3C67-C64C-8DA0-0404F6303970}" type="slidenum">
               <a:rPr lang="en-US" smtClean="0"/>
-              <a:t>11</a:t>
+              <a:t>10</a:t>
             </a:fld>
             <a:endParaRPr lang="en-US" dirty="0"/>
           </a:p>
@@ -997,7 +890,7 @@
 </p:notes>
 </file>
 
-<file path=ppt/notesSlides/notesSlide12.xml><?xml version="1.0" encoding="utf-8"?>
+<file path=ppt/notesSlides/notesSlide11.xml><?xml version="1.0" encoding="utf-8"?>
 <p:notes xmlns:a="http://schemas.openxmlformats.org/drawingml/2006/main" xmlns:r="http://schemas.openxmlformats.org/officeDocument/2006/relationships" xmlns:p="http://schemas.openxmlformats.org/presentationml/2006/main">
   <p:cSld>
     <p:spTree>
@@ -1086,7 +979,7 @@
           <a:p>
             <a:fld id="{A89C7E07-3C67-C64C-8DA0-0404F6303970}" type="slidenum">
               <a:rPr lang="en-US" smtClean="0"/>
-              <a:t>12</a:t>
+              <a:t>11</a:t>
             </a:fld>
             <a:endParaRPr lang="en-US" dirty="0"/>
           </a:p>
@@ -1105,7 +998,7 @@
 </p:notes>
 </file>
 
-<file path=ppt/notesSlides/notesSlide13.xml><?xml version="1.0" encoding="utf-8"?>
+<file path=ppt/notesSlides/notesSlide12.xml><?xml version="1.0" encoding="utf-8"?>
 <p:notes xmlns:a="http://schemas.openxmlformats.org/drawingml/2006/main" xmlns:r="http://schemas.openxmlformats.org/officeDocument/2006/relationships" xmlns:p="http://schemas.openxmlformats.org/presentationml/2006/main">
   <p:cSld>
     <p:spTree>
@@ -1167,6 +1060,30 @@
           <a:bodyPr/>
           <a:lstStyle/>
           <a:p>
+            <a:pPr marL="0" marR="0" lvl="0" indent="0" algn="l" defTabSz="914400" rtl="0" eaLnBrk="1" fontAlgn="auto" latinLnBrk="0" hangingPunct="1">
+              <a:lnSpc>
+                <a:spcPct val="100000"/>
+              </a:lnSpc>
+              <a:spcBef>
+                <a:spcPts val="0"/>
+              </a:spcBef>
+              <a:spcAft>
+                <a:spcPts val="0"/>
+              </a:spcAft>
+              <a:buClrTx/>
+              <a:buSzTx/>
+              <a:buFontTx/>
+              <a:buNone/>
+              <a:tabLst/>
+              <a:defRPr/>
+            </a:pPr>
+            <a:r>
+              <a:rPr lang="en-US" i="1"/>
+              <a:t>(empty output means false in PHP, 1 means true)</a:t>
+            </a:r>
+            <a:endParaRPr lang="en-US"/>
+          </a:p>
+          <a:p>
             <a:endParaRPr lang="en-US" dirty="0"/>
           </a:p>
         </p:txBody>
@@ -1194,7 +1111,7 @@
           <a:p>
             <a:fld id="{A89C7E07-3C67-C64C-8DA0-0404F6303970}" type="slidenum">
               <a:rPr lang="en-US" smtClean="0"/>
-              <a:t>13</a:t>
+              <a:t>12</a:t>
             </a:fld>
             <a:endParaRPr lang="en-US" dirty="0"/>
           </a:p>
@@ -1213,7 +1130,7 @@
 </p:notes>
 </file>
 
-<file path=ppt/notesSlides/notesSlide14.xml><?xml version="1.0" encoding="utf-8"?>
+<file path=ppt/notesSlides/notesSlide13.xml><?xml version="1.0" encoding="utf-8"?>
 <p:notes xmlns:a="http://schemas.openxmlformats.org/drawingml/2006/main" xmlns:r="http://schemas.openxmlformats.org/officeDocument/2006/relationships" xmlns:p="http://schemas.openxmlformats.org/presentationml/2006/main">
   <p:cSld>
     <p:spTree>
@@ -1302,7 +1219,7 @@
           <a:p>
             <a:fld id="{A89C7E07-3C67-C64C-8DA0-0404F6303970}" type="slidenum">
               <a:rPr lang="en-US" smtClean="0"/>
-              <a:t>14</a:t>
+              <a:t>13</a:t>
             </a:fld>
             <a:endParaRPr lang="en-US" dirty="0"/>
           </a:p>
@@ -1321,7 +1238,7 @@
 </p:notes>
 </file>
 
-<file path=ppt/notesSlides/notesSlide15.xml><?xml version="1.0" encoding="utf-8"?>
+<file path=ppt/notesSlides/notesSlide14.xml><?xml version="1.0" encoding="utf-8"?>
 <p:notes xmlns:a="http://schemas.openxmlformats.org/drawingml/2006/main" xmlns:r="http://schemas.openxmlformats.org/officeDocument/2006/relationships" xmlns:p="http://schemas.openxmlformats.org/presentationml/2006/main">
   <p:cSld>
     <p:spTree>
@@ -1410,7 +1327,7 @@
           <a:p>
             <a:fld id="{A89C7E07-3C67-C64C-8DA0-0404F6303970}" type="slidenum">
               <a:rPr lang="en-US" smtClean="0"/>
-              <a:t>15</a:t>
+              <a:t>14</a:t>
             </a:fld>
             <a:endParaRPr lang="en-US" dirty="0"/>
           </a:p>
@@ -1429,7 +1346,7 @@
 </p:notes>
 </file>
 
-<file path=ppt/notesSlides/notesSlide16.xml><?xml version="1.0" encoding="utf-8"?>
+<file path=ppt/notesSlides/notesSlide15.xml><?xml version="1.0" encoding="utf-8"?>
 <p:notes xmlns:a="http://schemas.openxmlformats.org/drawingml/2006/main" xmlns:r="http://schemas.openxmlformats.org/officeDocument/2006/relationships" xmlns:p="http://schemas.openxmlformats.org/presentationml/2006/main">
   <p:cSld>
     <p:spTree>
@@ -1518,7 +1435,7 @@
           <a:p>
             <a:fld id="{A89C7E07-3C67-C64C-8DA0-0404F6303970}" type="slidenum">
               <a:rPr lang="en-US" smtClean="0"/>
-              <a:t>16</a:t>
+              <a:t>15</a:t>
             </a:fld>
             <a:endParaRPr lang="en-US" dirty="0"/>
           </a:p>
@@ -1537,7 +1454,7 @@
 </p:notes>
 </file>
 
-<file path=ppt/notesSlides/notesSlide17.xml><?xml version="1.0" encoding="utf-8"?>
+<file path=ppt/notesSlides/notesSlide16.xml><?xml version="1.0" encoding="utf-8"?>
 <p:notes xmlns:a="http://schemas.openxmlformats.org/drawingml/2006/main" xmlns:r="http://schemas.openxmlformats.org/officeDocument/2006/relationships" xmlns:p="http://schemas.openxmlformats.org/presentationml/2006/main">
   <p:cSld>
     <p:spTree>
@@ -1626,7 +1543,7 @@
           <a:p>
             <a:fld id="{A89C7E07-3C67-C64C-8DA0-0404F6303970}" type="slidenum">
               <a:rPr lang="en-US" smtClean="0"/>
-              <a:t>17</a:t>
+              <a:t>16</a:t>
             </a:fld>
             <a:endParaRPr lang="en-US" dirty="0"/>
           </a:p>
@@ -1645,7 +1562,7 @@
 </p:notes>
 </file>
 
-<file path=ppt/notesSlides/notesSlide18.xml><?xml version="1.0" encoding="utf-8"?>
+<file path=ppt/notesSlides/notesSlide17.xml><?xml version="1.0" encoding="utf-8"?>
 <p:notes xmlns:a="http://schemas.openxmlformats.org/drawingml/2006/main" xmlns:r="http://schemas.openxmlformats.org/officeDocument/2006/relationships" xmlns:p="http://schemas.openxmlformats.org/presentationml/2006/main">
   <p:cSld>
     <p:spTree>
@@ -1734,7 +1651,7 @@
           <a:p>
             <a:fld id="{A89C7E07-3C67-C64C-8DA0-0404F6303970}" type="slidenum">
               <a:rPr lang="en-US" smtClean="0"/>
-              <a:t>18</a:t>
+              <a:t>17</a:t>
             </a:fld>
             <a:endParaRPr lang="en-US" dirty="0"/>
           </a:p>
@@ -1753,7 +1670,7 @@
 </p:notes>
 </file>
 
-<file path=ppt/notesSlides/notesSlide19.xml><?xml version="1.0" encoding="utf-8"?>
+<file path=ppt/notesSlides/notesSlide18.xml><?xml version="1.0" encoding="utf-8"?>
 <p:notes xmlns:a="http://schemas.openxmlformats.org/drawingml/2006/main" xmlns:r="http://schemas.openxmlformats.org/officeDocument/2006/relationships" xmlns:p="http://schemas.openxmlformats.org/presentationml/2006/main">
   <p:cSld>
     <p:spTree>
@@ -1842,7 +1759,7 @@
           <a:p>
             <a:fld id="{A89C7E07-3C67-C64C-8DA0-0404F6303970}" type="slidenum">
               <a:rPr lang="en-US" smtClean="0"/>
-              <a:t>19</a:t>
+              <a:t>18</a:t>
             </a:fld>
             <a:endParaRPr lang="en-US" dirty="0"/>
           </a:p>
@@ -1852,6 +1769,114 @@
     <p:extLst>
       <p:ext uri="{BB962C8B-B14F-4D97-AF65-F5344CB8AC3E}">
         <p14:creationId xmlns:p14="http://schemas.microsoft.com/office/powerpoint/2010/main" val="701376351"/>
+      </p:ext>
+    </p:extLst>
+  </p:cSld>
+  <p:clrMapOvr>
+    <a:masterClrMapping/>
+  </p:clrMapOvr>
+</p:notes>
+</file>
+
+<file path=ppt/notesSlides/notesSlide19.xml><?xml version="1.0" encoding="utf-8"?>
+<p:notes xmlns:a="http://schemas.openxmlformats.org/drawingml/2006/main" xmlns:r="http://schemas.openxmlformats.org/officeDocument/2006/relationships" xmlns:p="http://schemas.openxmlformats.org/presentationml/2006/main">
+  <p:cSld>
+    <p:spTree>
+      <p:nvGrpSpPr>
+        <p:cNvPr id="1" name="">
+          <a:extLst>
+            <a:ext uri="{FF2B5EF4-FFF2-40B4-BE49-F238E27FC236}">
+              <a16:creationId xmlns:a16="http://schemas.microsoft.com/office/drawing/2014/main" id="{325D0ACD-49F5-F6DB-C560-7C4128B6DB4B}"/>
+            </a:ext>
+          </a:extLst>
+        </p:cNvPr>
+        <p:cNvGrpSpPr/>
+        <p:nvPr/>
+      </p:nvGrpSpPr>
+      <p:grpSpPr>
+        <a:xfrm>
+          <a:off x="0" y="0"/>
+          <a:ext cx="0" cy="0"/>
+          <a:chOff x="0" y="0"/>
+          <a:chExt cx="0" cy="0"/>
+        </a:xfrm>
+      </p:grpSpPr>
+      <p:sp>
+        <p:nvSpPr>
+          <p:cNvPr id="2" name="Slide Image Placeholder 1">
+            <a:extLst>
+              <a:ext uri="{FF2B5EF4-FFF2-40B4-BE49-F238E27FC236}">
+                <a16:creationId xmlns:a16="http://schemas.microsoft.com/office/drawing/2014/main" id="{3763FCD1-8457-A269-A49F-E3CB9050D2B1}"/>
+              </a:ext>
+            </a:extLst>
+          </p:cNvPr>
+          <p:cNvSpPr>
+            <a:spLocks noGrp="1" noRot="1" noChangeAspect="1"/>
+          </p:cNvSpPr>
+          <p:nvPr>
+            <p:ph type="sldImg"/>
+          </p:nvPr>
+        </p:nvSpPr>
+        <p:spPr/>
+      </p:sp>
+      <p:sp>
+        <p:nvSpPr>
+          <p:cNvPr id="3" name="Notes Placeholder 2">
+            <a:extLst>
+              <a:ext uri="{FF2B5EF4-FFF2-40B4-BE49-F238E27FC236}">
+                <a16:creationId xmlns:a16="http://schemas.microsoft.com/office/drawing/2014/main" id="{D713E6BA-013B-107C-B0A5-3126C269BCBA}"/>
+              </a:ext>
+            </a:extLst>
+          </p:cNvPr>
+          <p:cNvSpPr>
+            <a:spLocks noGrp="1"/>
+          </p:cNvSpPr>
+          <p:nvPr>
+            <p:ph type="body" idx="1"/>
+          </p:nvPr>
+        </p:nvSpPr>
+        <p:spPr/>
+        <p:txBody>
+          <a:bodyPr/>
+          <a:lstStyle/>
+          <a:p>
+            <a:endParaRPr lang="en-US" dirty="0"/>
+          </a:p>
+        </p:txBody>
+      </p:sp>
+      <p:sp>
+        <p:nvSpPr>
+          <p:cNvPr id="4" name="Slide Number Placeholder 3">
+            <a:extLst>
+              <a:ext uri="{FF2B5EF4-FFF2-40B4-BE49-F238E27FC236}">
+                <a16:creationId xmlns:a16="http://schemas.microsoft.com/office/drawing/2014/main" id="{B8580CD1-4F9A-B9A2-08D9-1B706376905D}"/>
+              </a:ext>
+            </a:extLst>
+          </p:cNvPr>
+          <p:cNvSpPr>
+            <a:spLocks noGrp="1"/>
+          </p:cNvSpPr>
+          <p:nvPr>
+            <p:ph type="sldNum" sz="quarter" idx="5"/>
+          </p:nvPr>
+        </p:nvSpPr>
+        <p:spPr/>
+        <p:txBody>
+          <a:bodyPr/>
+          <a:lstStyle/>
+          <a:p>
+            <a:fld id="{A89C7E07-3C67-C64C-8DA0-0404F6303970}" type="slidenum">
+              <a:rPr lang="en-US" smtClean="0"/>
+              <a:t>19</a:t>
+            </a:fld>
+            <a:endParaRPr lang="en-US" dirty="0"/>
+          </a:p>
+        </p:txBody>
+      </p:sp>
+    </p:spTree>
+    <p:extLst>
+      <p:ext uri="{BB962C8B-B14F-4D97-AF65-F5344CB8AC3E}">
+        <p14:creationId xmlns:p14="http://schemas.microsoft.com/office/powerpoint/2010/main" val="4225636942"/>
       </p:ext>
     </p:extLst>
   </p:cSld>
@@ -1953,114 +1978,6 @@
         <p:cNvPr id="1" name="">
           <a:extLst>
             <a:ext uri="{FF2B5EF4-FFF2-40B4-BE49-F238E27FC236}">
-              <a16:creationId xmlns:a16="http://schemas.microsoft.com/office/drawing/2014/main" id="{325D0ACD-49F5-F6DB-C560-7C4128B6DB4B}"/>
-            </a:ext>
-          </a:extLst>
-        </p:cNvPr>
-        <p:cNvGrpSpPr/>
-        <p:nvPr/>
-      </p:nvGrpSpPr>
-      <p:grpSpPr>
-        <a:xfrm>
-          <a:off x="0" y="0"/>
-          <a:ext cx="0" cy="0"/>
-          <a:chOff x="0" y="0"/>
-          <a:chExt cx="0" cy="0"/>
-        </a:xfrm>
-      </p:grpSpPr>
-      <p:sp>
-        <p:nvSpPr>
-          <p:cNvPr id="2" name="Slide Image Placeholder 1">
-            <a:extLst>
-              <a:ext uri="{FF2B5EF4-FFF2-40B4-BE49-F238E27FC236}">
-                <a16:creationId xmlns:a16="http://schemas.microsoft.com/office/drawing/2014/main" id="{3763FCD1-8457-A269-A49F-E3CB9050D2B1}"/>
-              </a:ext>
-            </a:extLst>
-          </p:cNvPr>
-          <p:cNvSpPr>
-            <a:spLocks noGrp="1" noRot="1" noChangeAspect="1"/>
-          </p:cNvSpPr>
-          <p:nvPr>
-            <p:ph type="sldImg"/>
-          </p:nvPr>
-        </p:nvSpPr>
-        <p:spPr/>
-      </p:sp>
-      <p:sp>
-        <p:nvSpPr>
-          <p:cNvPr id="3" name="Notes Placeholder 2">
-            <a:extLst>
-              <a:ext uri="{FF2B5EF4-FFF2-40B4-BE49-F238E27FC236}">
-                <a16:creationId xmlns:a16="http://schemas.microsoft.com/office/drawing/2014/main" id="{D713E6BA-013B-107C-B0A5-3126C269BCBA}"/>
-              </a:ext>
-            </a:extLst>
-          </p:cNvPr>
-          <p:cNvSpPr>
-            <a:spLocks noGrp="1"/>
-          </p:cNvSpPr>
-          <p:nvPr>
-            <p:ph type="body" idx="1"/>
-          </p:nvPr>
-        </p:nvSpPr>
-        <p:spPr/>
-        <p:txBody>
-          <a:bodyPr/>
-          <a:lstStyle/>
-          <a:p>
-            <a:endParaRPr lang="en-US" dirty="0"/>
-          </a:p>
-        </p:txBody>
-      </p:sp>
-      <p:sp>
-        <p:nvSpPr>
-          <p:cNvPr id="4" name="Slide Number Placeholder 3">
-            <a:extLst>
-              <a:ext uri="{FF2B5EF4-FFF2-40B4-BE49-F238E27FC236}">
-                <a16:creationId xmlns:a16="http://schemas.microsoft.com/office/drawing/2014/main" id="{B8580CD1-4F9A-B9A2-08D9-1B706376905D}"/>
-              </a:ext>
-            </a:extLst>
-          </p:cNvPr>
-          <p:cNvSpPr>
-            <a:spLocks noGrp="1"/>
-          </p:cNvSpPr>
-          <p:nvPr>
-            <p:ph type="sldNum" sz="quarter" idx="5"/>
-          </p:nvPr>
-        </p:nvSpPr>
-        <p:spPr/>
-        <p:txBody>
-          <a:bodyPr/>
-          <a:lstStyle/>
-          <a:p>
-            <a:fld id="{A89C7E07-3C67-C64C-8DA0-0404F6303970}" type="slidenum">
-              <a:rPr lang="en-US" smtClean="0"/>
-              <a:t>20</a:t>
-            </a:fld>
-            <a:endParaRPr lang="en-US" dirty="0"/>
-          </a:p>
-        </p:txBody>
-      </p:sp>
-    </p:spTree>
-    <p:extLst>
-      <p:ext uri="{BB962C8B-B14F-4D97-AF65-F5344CB8AC3E}">
-        <p14:creationId xmlns:p14="http://schemas.microsoft.com/office/powerpoint/2010/main" val="4225636942"/>
-      </p:ext>
-    </p:extLst>
-  </p:cSld>
-  <p:clrMapOvr>
-    <a:masterClrMapping/>
-  </p:clrMapOvr>
-</p:notes>
-</file>
-
-<file path=ppt/notesSlides/notesSlide21.xml><?xml version="1.0" encoding="utf-8"?>
-<p:notes xmlns:a="http://schemas.openxmlformats.org/drawingml/2006/main" xmlns:r="http://schemas.openxmlformats.org/officeDocument/2006/relationships" xmlns:p="http://schemas.openxmlformats.org/presentationml/2006/main">
-  <p:cSld>
-    <p:spTree>
-      <p:nvGrpSpPr>
-        <p:cNvPr id="1" name="">
-          <a:extLst>
-            <a:ext uri="{FF2B5EF4-FFF2-40B4-BE49-F238E27FC236}">
               <a16:creationId xmlns:a16="http://schemas.microsoft.com/office/drawing/2014/main" id="{12AF05F7-1111-00F9-5141-B614B83CED3E}"/>
             </a:ext>
           </a:extLst>
@@ -2142,7 +2059,7 @@
           <a:p>
             <a:fld id="{A89C7E07-3C67-C64C-8DA0-0404F6303970}" type="slidenum">
               <a:rPr lang="en-US" smtClean="0"/>
-              <a:t>21</a:t>
+              <a:t>20</a:t>
             </a:fld>
             <a:endParaRPr lang="en-US" dirty="0"/>
           </a:p>
@@ -2161,7 +2078,7 @@
 </p:notes>
 </file>
 
-<file path=ppt/notesSlides/notesSlide22.xml><?xml version="1.0" encoding="utf-8"?>
+<file path=ppt/notesSlides/notesSlide21.xml><?xml version="1.0" encoding="utf-8"?>
 <p:notes xmlns:a="http://schemas.openxmlformats.org/drawingml/2006/main" xmlns:r="http://schemas.openxmlformats.org/officeDocument/2006/relationships" xmlns:p="http://schemas.openxmlformats.org/presentationml/2006/main">
   <p:cSld>
     <p:spTree>
@@ -2250,7 +2167,7 @@
           <a:p>
             <a:fld id="{A89C7E07-3C67-C64C-8DA0-0404F6303970}" type="slidenum">
               <a:rPr lang="en-US" smtClean="0"/>
-              <a:t>22</a:t>
+              <a:t>21</a:t>
             </a:fld>
             <a:endParaRPr lang="en-US" dirty="0"/>
           </a:p>
@@ -2269,7 +2186,7 @@
 </p:notes>
 </file>
 
-<file path=ppt/notesSlides/notesSlide23.xml><?xml version="1.0" encoding="utf-8"?>
+<file path=ppt/notesSlides/notesSlide22.xml><?xml version="1.0" encoding="utf-8"?>
 <p:notes xmlns:a="http://schemas.openxmlformats.org/drawingml/2006/main" xmlns:r="http://schemas.openxmlformats.org/officeDocument/2006/relationships" xmlns:p="http://schemas.openxmlformats.org/presentationml/2006/main">
   <p:cSld>
     <p:spTree>
@@ -2358,7 +2275,7 @@
           <a:p>
             <a:fld id="{A89C7E07-3C67-C64C-8DA0-0404F6303970}" type="slidenum">
               <a:rPr lang="en-US" smtClean="0"/>
-              <a:t>23</a:t>
+              <a:t>22</a:t>
             </a:fld>
             <a:endParaRPr lang="en-US" dirty="0"/>
           </a:p>
@@ -2377,7 +2294,223 @@
 </p:notes>
 </file>
 
+<file path=ppt/notesSlides/notesSlide23.xml><?xml version="1.0" encoding="utf-8"?>
+<p:notes xmlns:a="http://schemas.openxmlformats.org/drawingml/2006/main" xmlns:r="http://schemas.openxmlformats.org/officeDocument/2006/relationships" xmlns:p="http://schemas.openxmlformats.org/presentationml/2006/main">
+  <p:cSld>
+    <p:spTree>
+      <p:nvGrpSpPr>
+        <p:cNvPr id="1" name="">
+          <a:extLst>
+            <a:ext uri="{FF2B5EF4-FFF2-40B4-BE49-F238E27FC236}">
+              <a16:creationId xmlns:a16="http://schemas.microsoft.com/office/drawing/2014/main" id="{9167B041-DF82-8BB8-2213-BFCE4CA0A8CF}"/>
+            </a:ext>
+          </a:extLst>
+        </p:cNvPr>
+        <p:cNvGrpSpPr/>
+        <p:nvPr/>
+      </p:nvGrpSpPr>
+      <p:grpSpPr>
+        <a:xfrm>
+          <a:off x="0" y="0"/>
+          <a:ext cx="0" cy="0"/>
+          <a:chOff x="0" y="0"/>
+          <a:chExt cx="0" cy="0"/>
+        </a:xfrm>
+      </p:grpSpPr>
+      <p:sp>
+        <p:nvSpPr>
+          <p:cNvPr id="2" name="Slide Image Placeholder 1">
+            <a:extLst>
+              <a:ext uri="{FF2B5EF4-FFF2-40B4-BE49-F238E27FC236}">
+                <a16:creationId xmlns:a16="http://schemas.microsoft.com/office/drawing/2014/main" id="{7FB7E8F1-64FB-9AF6-5E76-8D4E20F41B3F}"/>
+              </a:ext>
+            </a:extLst>
+          </p:cNvPr>
+          <p:cNvSpPr>
+            <a:spLocks noGrp="1" noRot="1" noChangeAspect="1"/>
+          </p:cNvSpPr>
+          <p:nvPr>
+            <p:ph type="sldImg"/>
+          </p:nvPr>
+        </p:nvSpPr>
+        <p:spPr/>
+      </p:sp>
+      <p:sp>
+        <p:nvSpPr>
+          <p:cNvPr id="3" name="Notes Placeholder 2">
+            <a:extLst>
+              <a:ext uri="{FF2B5EF4-FFF2-40B4-BE49-F238E27FC236}">
+                <a16:creationId xmlns:a16="http://schemas.microsoft.com/office/drawing/2014/main" id="{1C012E39-3E3A-4F46-4FA2-63C3072F7AB8}"/>
+              </a:ext>
+            </a:extLst>
+          </p:cNvPr>
+          <p:cNvSpPr>
+            <a:spLocks noGrp="1"/>
+          </p:cNvSpPr>
+          <p:nvPr>
+            <p:ph type="body" idx="1"/>
+          </p:nvPr>
+        </p:nvSpPr>
+        <p:spPr/>
+        <p:txBody>
+          <a:bodyPr/>
+          <a:lstStyle/>
+          <a:p>
+            <a:endParaRPr lang="en-US" dirty="0"/>
+          </a:p>
+        </p:txBody>
+      </p:sp>
+      <p:sp>
+        <p:nvSpPr>
+          <p:cNvPr id="4" name="Slide Number Placeholder 3">
+            <a:extLst>
+              <a:ext uri="{FF2B5EF4-FFF2-40B4-BE49-F238E27FC236}">
+                <a16:creationId xmlns:a16="http://schemas.microsoft.com/office/drawing/2014/main" id="{B4E4FFFD-D79A-F1F3-908C-B5941C6B4DBD}"/>
+              </a:ext>
+            </a:extLst>
+          </p:cNvPr>
+          <p:cNvSpPr>
+            <a:spLocks noGrp="1"/>
+          </p:cNvSpPr>
+          <p:nvPr>
+            <p:ph type="sldNum" sz="quarter" idx="5"/>
+          </p:nvPr>
+        </p:nvSpPr>
+        <p:spPr/>
+        <p:txBody>
+          <a:bodyPr/>
+          <a:lstStyle/>
+          <a:p>
+            <a:fld id="{A89C7E07-3C67-C64C-8DA0-0404F6303970}" type="slidenum">
+              <a:rPr lang="en-US" smtClean="0"/>
+              <a:t>23</a:t>
+            </a:fld>
+            <a:endParaRPr lang="en-US" dirty="0"/>
+          </a:p>
+        </p:txBody>
+      </p:sp>
+    </p:spTree>
+    <p:extLst>
+      <p:ext uri="{BB962C8B-B14F-4D97-AF65-F5344CB8AC3E}">
+        <p14:creationId xmlns:p14="http://schemas.microsoft.com/office/powerpoint/2010/main" val="2409702825"/>
+      </p:ext>
+    </p:extLst>
+  </p:cSld>
+  <p:clrMapOvr>
+    <a:masterClrMapping/>
+  </p:clrMapOvr>
+</p:notes>
+</file>
+
 <file path=ppt/notesSlides/notesSlide24.xml><?xml version="1.0" encoding="utf-8"?>
+<p:notes xmlns:a="http://schemas.openxmlformats.org/drawingml/2006/main" xmlns:r="http://schemas.openxmlformats.org/officeDocument/2006/relationships" xmlns:p="http://schemas.openxmlformats.org/presentationml/2006/main">
+  <p:cSld>
+    <p:spTree>
+      <p:nvGrpSpPr>
+        <p:cNvPr id="1" name="">
+          <a:extLst>
+            <a:ext uri="{FF2B5EF4-FFF2-40B4-BE49-F238E27FC236}">
+              <a16:creationId xmlns:a16="http://schemas.microsoft.com/office/drawing/2014/main" id="{4E1260A5-D48A-FCAD-C53E-202BDC3B4441}"/>
+            </a:ext>
+          </a:extLst>
+        </p:cNvPr>
+        <p:cNvGrpSpPr/>
+        <p:nvPr/>
+      </p:nvGrpSpPr>
+      <p:grpSpPr>
+        <a:xfrm>
+          <a:off x="0" y="0"/>
+          <a:ext cx="0" cy="0"/>
+          <a:chOff x="0" y="0"/>
+          <a:chExt cx="0" cy="0"/>
+        </a:xfrm>
+      </p:grpSpPr>
+      <p:sp>
+        <p:nvSpPr>
+          <p:cNvPr id="2" name="Slide Image Placeholder 1">
+            <a:extLst>
+              <a:ext uri="{FF2B5EF4-FFF2-40B4-BE49-F238E27FC236}">
+                <a16:creationId xmlns:a16="http://schemas.microsoft.com/office/drawing/2014/main" id="{C21A262C-C6D6-89F8-8C06-73F27A963886}"/>
+              </a:ext>
+            </a:extLst>
+          </p:cNvPr>
+          <p:cNvSpPr>
+            <a:spLocks noGrp="1" noRot="1" noChangeAspect="1"/>
+          </p:cNvSpPr>
+          <p:nvPr>
+            <p:ph type="sldImg"/>
+          </p:nvPr>
+        </p:nvSpPr>
+        <p:spPr/>
+      </p:sp>
+      <p:sp>
+        <p:nvSpPr>
+          <p:cNvPr id="3" name="Notes Placeholder 2">
+            <a:extLst>
+              <a:ext uri="{FF2B5EF4-FFF2-40B4-BE49-F238E27FC236}">
+                <a16:creationId xmlns:a16="http://schemas.microsoft.com/office/drawing/2014/main" id="{23C85241-0601-3882-7DD2-18E22DBC8593}"/>
+              </a:ext>
+            </a:extLst>
+          </p:cNvPr>
+          <p:cNvSpPr>
+            <a:spLocks noGrp="1"/>
+          </p:cNvSpPr>
+          <p:nvPr>
+            <p:ph type="body" idx="1"/>
+          </p:nvPr>
+        </p:nvSpPr>
+        <p:spPr/>
+        <p:txBody>
+          <a:bodyPr/>
+          <a:lstStyle/>
+          <a:p>
+            <a:endParaRPr lang="en-US" dirty="0"/>
+          </a:p>
+        </p:txBody>
+      </p:sp>
+      <p:sp>
+        <p:nvSpPr>
+          <p:cNvPr id="4" name="Slide Number Placeholder 3">
+            <a:extLst>
+              <a:ext uri="{FF2B5EF4-FFF2-40B4-BE49-F238E27FC236}">
+                <a16:creationId xmlns:a16="http://schemas.microsoft.com/office/drawing/2014/main" id="{7F420173-B31E-BB93-9FA6-63D8FAA640F4}"/>
+              </a:ext>
+            </a:extLst>
+          </p:cNvPr>
+          <p:cNvSpPr>
+            <a:spLocks noGrp="1"/>
+          </p:cNvSpPr>
+          <p:nvPr>
+            <p:ph type="sldNum" sz="quarter" idx="5"/>
+          </p:nvPr>
+        </p:nvSpPr>
+        <p:spPr/>
+        <p:txBody>
+          <a:bodyPr/>
+          <a:lstStyle/>
+          <a:p>
+            <a:fld id="{A89C7E07-3C67-C64C-8DA0-0404F6303970}" type="slidenum">
+              <a:rPr lang="en-US" smtClean="0"/>
+              <a:t>24</a:t>
+            </a:fld>
+            <a:endParaRPr lang="en-US" dirty="0"/>
+          </a:p>
+        </p:txBody>
+      </p:sp>
+    </p:spTree>
+    <p:extLst>
+      <p:ext uri="{BB962C8B-B14F-4D97-AF65-F5344CB8AC3E}">
+        <p14:creationId xmlns:p14="http://schemas.microsoft.com/office/powerpoint/2010/main" val="3011489530"/>
+      </p:ext>
+    </p:extLst>
+  </p:cSld>
+  <p:clrMapOvr>
+    <a:masterClrMapping/>
+  </p:clrMapOvr>
+</p:notes>
+</file>
+
+<file path=ppt/notesSlides/notesSlide25.xml><?xml version="1.0" encoding="utf-8"?>
 <p:notes xmlns:a="http://schemas.openxmlformats.org/drawingml/2006/main" xmlns:r="http://schemas.openxmlformats.org/officeDocument/2006/relationships" xmlns:p="http://schemas.openxmlformats.org/presentationml/2006/main">
   <p:cSld>
     <p:spTree>
@@ -2442,7 +2575,7 @@
           <a:p>
             <a:fld id="{A89C7E07-3C67-C64C-8DA0-0404F6303970}" type="slidenum">
               <a:rPr lang="en-US" smtClean="0"/>
-              <a:t>24</a:t>
+              <a:t>25</a:t>
             </a:fld>
             <a:endParaRPr lang="en-US" dirty="0"/>
           </a:p>
@@ -2877,114 +3010,6 @@
         <p:cNvPr id="1" name="">
           <a:extLst>
             <a:ext uri="{FF2B5EF4-FFF2-40B4-BE49-F238E27FC236}">
-              <a16:creationId xmlns:a16="http://schemas.microsoft.com/office/drawing/2014/main" id="{0CC7E473-C1A0-D8BF-1E46-5521C2652BC4}"/>
-            </a:ext>
-          </a:extLst>
-        </p:cNvPr>
-        <p:cNvGrpSpPr/>
-        <p:nvPr/>
-      </p:nvGrpSpPr>
-      <p:grpSpPr>
-        <a:xfrm>
-          <a:off x="0" y="0"/>
-          <a:ext cx="0" cy="0"/>
-          <a:chOff x="0" y="0"/>
-          <a:chExt cx="0" cy="0"/>
-        </a:xfrm>
-      </p:grpSpPr>
-      <p:sp>
-        <p:nvSpPr>
-          <p:cNvPr id="2" name="Slide Image Placeholder 1">
-            <a:extLst>
-              <a:ext uri="{FF2B5EF4-FFF2-40B4-BE49-F238E27FC236}">
-                <a16:creationId xmlns:a16="http://schemas.microsoft.com/office/drawing/2014/main" id="{100410BB-B7BA-9C6F-1023-C1DE8F38D3B0}"/>
-              </a:ext>
-            </a:extLst>
-          </p:cNvPr>
-          <p:cNvSpPr>
-            <a:spLocks noGrp="1" noRot="1" noChangeAspect="1"/>
-          </p:cNvSpPr>
-          <p:nvPr>
-            <p:ph type="sldImg"/>
-          </p:nvPr>
-        </p:nvSpPr>
-        <p:spPr/>
-      </p:sp>
-      <p:sp>
-        <p:nvSpPr>
-          <p:cNvPr id="3" name="Notes Placeholder 2">
-            <a:extLst>
-              <a:ext uri="{FF2B5EF4-FFF2-40B4-BE49-F238E27FC236}">
-                <a16:creationId xmlns:a16="http://schemas.microsoft.com/office/drawing/2014/main" id="{FD23F920-17C2-DCEB-3EC9-68007A5B470A}"/>
-              </a:ext>
-            </a:extLst>
-          </p:cNvPr>
-          <p:cNvSpPr>
-            <a:spLocks noGrp="1"/>
-          </p:cNvSpPr>
-          <p:nvPr>
-            <p:ph type="body" idx="1"/>
-          </p:nvPr>
-        </p:nvSpPr>
-        <p:spPr/>
-        <p:txBody>
-          <a:bodyPr/>
-          <a:lstStyle/>
-          <a:p>
-            <a:endParaRPr lang="en-US" dirty="0"/>
-          </a:p>
-        </p:txBody>
-      </p:sp>
-      <p:sp>
-        <p:nvSpPr>
-          <p:cNvPr id="4" name="Slide Number Placeholder 3">
-            <a:extLst>
-              <a:ext uri="{FF2B5EF4-FFF2-40B4-BE49-F238E27FC236}">
-                <a16:creationId xmlns:a16="http://schemas.microsoft.com/office/drawing/2014/main" id="{D447FC75-995D-4A10-CA0F-1276A12D0A9A}"/>
-              </a:ext>
-            </a:extLst>
-          </p:cNvPr>
-          <p:cNvSpPr>
-            <a:spLocks noGrp="1"/>
-          </p:cNvSpPr>
-          <p:nvPr>
-            <p:ph type="sldNum" sz="quarter" idx="5"/>
-          </p:nvPr>
-        </p:nvSpPr>
-        <p:spPr/>
-        <p:txBody>
-          <a:bodyPr/>
-          <a:lstStyle/>
-          <a:p>
-            <a:fld id="{A89C7E07-3C67-C64C-8DA0-0404F6303970}" type="slidenum">
-              <a:rPr lang="en-US" smtClean="0"/>
-              <a:t>7</a:t>
-            </a:fld>
-            <a:endParaRPr lang="en-US" dirty="0"/>
-          </a:p>
-        </p:txBody>
-      </p:sp>
-    </p:spTree>
-    <p:extLst>
-      <p:ext uri="{BB962C8B-B14F-4D97-AF65-F5344CB8AC3E}">
-        <p14:creationId xmlns:p14="http://schemas.microsoft.com/office/powerpoint/2010/main" val="1153204301"/>
-      </p:ext>
-    </p:extLst>
-  </p:cSld>
-  <p:clrMapOvr>
-    <a:masterClrMapping/>
-  </p:clrMapOvr>
-</p:notes>
-</file>
-
-<file path=ppt/notesSlides/notesSlide8.xml><?xml version="1.0" encoding="utf-8"?>
-<p:notes xmlns:a="http://schemas.openxmlformats.org/drawingml/2006/main" xmlns:r="http://schemas.openxmlformats.org/officeDocument/2006/relationships" xmlns:p="http://schemas.openxmlformats.org/presentationml/2006/main">
-  <p:cSld>
-    <p:spTree>
-      <p:nvGrpSpPr>
-        <p:cNvPr id="1" name="">
-          <a:extLst>
-            <a:ext uri="{FF2B5EF4-FFF2-40B4-BE49-F238E27FC236}">
               <a16:creationId xmlns:a16="http://schemas.microsoft.com/office/drawing/2014/main" id="{97646D4E-93C4-285D-F32F-7BE8D22C6F31}"/>
             </a:ext>
           </a:extLst>
@@ -3066,7 +3091,7 @@
           <a:p>
             <a:fld id="{A89C7E07-3C67-C64C-8DA0-0404F6303970}" type="slidenum">
               <a:rPr lang="en-US" smtClean="0"/>
-              <a:t>8</a:t>
+              <a:t>7</a:t>
             </a:fld>
             <a:endParaRPr lang="en-US" dirty="0"/>
           </a:p>
@@ -3085,7 +3110,7 @@
 </p:notes>
 </file>
 
-<file path=ppt/notesSlides/notesSlide9.xml><?xml version="1.0" encoding="utf-8"?>
+<file path=ppt/notesSlides/notesSlide8.xml><?xml version="1.0" encoding="utf-8"?>
 <p:notes xmlns:a="http://schemas.openxmlformats.org/drawingml/2006/main" xmlns:r="http://schemas.openxmlformats.org/officeDocument/2006/relationships" xmlns:p="http://schemas.openxmlformats.org/presentationml/2006/main">
   <p:cSld>
     <p:spTree>
@@ -3147,7 +3172,14 @@
           <a:bodyPr/>
           <a:lstStyle/>
           <a:p>
-            <a:endParaRPr lang="en-US" dirty="0"/>
+            <a:r>
+              <a:rPr lang="en-US" dirty="0" err="1"/>
+              <a:t>php</a:t>
+            </a:r>
+            <a:r>
+              <a:rPr lang="en-US" dirty="0"/>
+              <a:t> -m</a:t>
+            </a:r>
           </a:p>
         </p:txBody>
       </p:sp>
@@ -3174,7 +3206,7 @@
           <a:p>
             <a:fld id="{A89C7E07-3C67-C64C-8DA0-0404F6303970}" type="slidenum">
               <a:rPr lang="en-US" smtClean="0"/>
-              <a:t>9</a:t>
+              <a:t>8</a:t>
             </a:fld>
             <a:endParaRPr lang="en-US" dirty="0"/>
           </a:p>
@@ -3184,6 +3216,114 @@
     <p:extLst>
       <p:ext uri="{BB962C8B-B14F-4D97-AF65-F5344CB8AC3E}">
         <p14:creationId xmlns:p14="http://schemas.microsoft.com/office/powerpoint/2010/main" val="465165358"/>
+      </p:ext>
+    </p:extLst>
+  </p:cSld>
+  <p:clrMapOvr>
+    <a:masterClrMapping/>
+  </p:clrMapOvr>
+</p:notes>
+</file>
+
+<file path=ppt/notesSlides/notesSlide9.xml><?xml version="1.0" encoding="utf-8"?>
+<p:notes xmlns:a="http://schemas.openxmlformats.org/drawingml/2006/main" xmlns:r="http://schemas.openxmlformats.org/officeDocument/2006/relationships" xmlns:p="http://schemas.openxmlformats.org/presentationml/2006/main">
+  <p:cSld>
+    <p:spTree>
+      <p:nvGrpSpPr>
+        <p:cNvPr id="1" name="">
+          <a:extLst>
+            <a:ext uri="{FF2B5EF4-FFF2-40B4-BE49-F238E27FC236}">
+              <a16:creationId xmlns:a16="http://schemas.microsoft.com/office/drawing/2014/main" id="{F8BA11A2-4FC4-3D86-CFEF-307EE9012D2C}"/>
+            </a:ext>
+          </a:extLst>
+        </p:cNvPr>
+        <p:cNvGrpSpPr/>
+        <p:nvPr/>
+      </p:nvGrpSpPr>
+      <p:grpSpPr>
+        <a:xfrm>
+          <a:off x="0" y="0"/>
+          <a:ext cx="0" cy="0"/>
+          <a:chOff x="0" y="0"/>
+          <a:chExt cx="0" cy="0"/>
+        </a:xfrm>
+      </p:grpSpPr>
+      <p:sp>
+        <p:nvSpPr>
+          <p:cNvPr id="2" name="Slide Image Placeholder 1">
+            <a:extLst>
+              <a:ext uri="{FF2B5EF4-FFF2-40B4-BE49-F238E27FC236}">
+                <a16:creationId xmlns:a16="http://schemas.microsoft.com/office/drawing/2014/main" id="{70DAD7AC-1F33-A057-2832-0515993F64C0}"/>
+              </a:ext>
+            </a:extLst>
+          </p:cNvPr>
+          <p:cNvSpPr>
+            <a:spLocks noGrp="1" noRot="1" noChangeAspect="1"/>
+          </p:cNvSpPr>
+          <p:nvPr>
+            <p:ph type="sldImg"/>
+          </p:nvPr>
+        </p:nvSpPr>
+        <p:spPr/>
+      </p:sp>
+      <p:sp>
+        <p:nvSpPr>
+          <p:cNvPr id="3" name="Notes Placeholder 2">
+            <a:extLst>
+              <a:ext uri="{FF2B5EF4-FFF2-40B4-BE49-F238E27FC236}">
+                <a16:creationId xmlns:a16="http://schemas.microsoft.com/office/drawing/2014/main" id="{3E182953-30EB-F119-D84F-26CA087AEF28}"/>
+              </a:ext>
+            </a:extLst>
+          </p:cNvPr>
+          <p:cNvSpPr>
+            <a:spLocks noGrp="1"/>
+          </p:cNvSpPr>
+          <p:nvPr>
+            <p:ph type="body" idx="1"/>
+          </p:nvPr>
+        </p:nvSpPr>
+        <p:spPr/>
+        <p:txBody>
+          <a:bodyPr/>
+          <a:lstStyle/>
+          <a:p>
+            <a:endParaRPr lang="en-US" dirty="0"/>
+          </a:p>
+        </p:txBody>
+      </p:sp>
+      <p:sp>
+        <p:nvSpPr>
+          <p:cNvPr id="4" name="Slide Number Placeholder 3">
+            <a:extLst>
+              <a:ext uri="{FF2B5EF4-FFF2-40B4-BE49-F238E27FC236}">
+                <a16:creationId xmlns:a16="http://schemas.microsoft.com/office/drawing/2014/main" id="{92861C15-B518-5BF3-385B-349EBC200DC9}"/>
+              </a:ext>
+            </a:extLst>
+          </p:cNvPr>
+          <p:cNvSpPr>
+            <a:spLocks noGrp="1"/>
+          </p:cNvSpPr>
+          <p:nvPr>
+            <p:ph type="sldNum" sz="quarter" idx="5"/>
+          </p:nvPr>
+        </p:nvSpPr>
+        <p:spPr/>
+        <p:txBody>
+          <a:bodyPr/>
+          <a:lstStyle/>
+          <a:p>
+            <a:fld id="{A89C7E07-3C67-C64C-8DA0-0404F6303970}" type="slidenum">
+              <a:rPr lang="en-US" smtClean="0"/>
+              <a:t>9</a:t>
+            </a:fld>
+            <a:endParaRPr lang="en-US" dirty="0"/>
+          </a:p>
+        </p:txBody>
+      </p:sp>
+    </p:spTree>
+    <p:extLst>
+      <p:ext uri="{BB962C8B-B14F-4D97-AF65-F5344CB8AC3E}">
+        <p14:creationId xmlns:p14="http://schemas.microsoft.com/office/powerpoint/2010/main" val="3557262127"/>
       </p:ext>
     </p:extLst>
   </p:cSld>
@@ -11566,245 +11706,6 @@
         <p:cNvPr id="1" name="">
           <a:extLst>
             <a:ext uri="{FF2B5EF4-FFF2-40B4-BE49-F238E27FC236}">
-              <a16:creationId xmlns:a16="http://schemas.microsoft.com/office/drawing/2014/main" id="{C81A9022-61DE-8040-3283-B149236C8358}"/>
-            </a:ext>
-          </a:extLst>
-        </p:cNvPr>
-        <p:cNvGrpSpPr/>
-        <p:nvPr/>
-      </p:nvGrpSpPr>
-      <p:grpSpPr>
-        <a:xfrm>
-          <a:off x="0" y="0"/>
-          <a:ext cx="0" cy="0"/>
-          <a:chOff x="0" y="0"/>
-          <a:chExt cx="0" cy="0"/>
-        </a:xfrm>
-      </p:grpSpPr>
-      <p:sp>
-        <p:nvSpPr>
-          <p:cNvPr id="2" name="Title 1">
-            <a:extLst>
-              <a:ext uri="{FF2B5EF4-FFF2-40B4-BE49-F238E27FC236}">
-                <a16:creationId xmlns:a16="http://schemas.microsoft.com/office/drawing/2014/main" id="{97BE74AC-BA3E-1585-F9E9-2063145403F2}"/>
-              </a:ext>
-            </a:extLst>
-          </p:cNvPr>
-          <p:cNvSpPr>
-            <a:spLocks noGrp="1"/>
-          </p:cNvSpPr>
-          <p:nvPr>
-            <p:ph type="title"/>
-          </p:nvPr>
-        </p:nvSpPr>
-        <p:spPr>
-          <a:xfrm>
-            <a:off x="594360" y="198408"/>
-            <a:ext cx="10972800" cy="1574317"/>
-          </a:xfrm>
-        </p:spPr>
-        <p:txBody>
-          <a:bodyPr/>
-          <a:lstStyle/>
-          <a:p>
-            <a:r>
-              <a:rPr lang="en-US" dirty="0"/>
-              <a:t>Input and Output in PHP</a:t>
-            </a:r>
-          </a:p>
-        </p:txBody>
-      </p:sp>
-      <p:sp>
-        <p:nvSpPr>
-          <p:cNvPr id="5" name="TextBox 4">
-            <a:extLst>
-              <a:ext uri="{FF2B5EF4-FFF2-40B4-BE49-F238E27FC236}">
-                <a16:creationId xmlns:a16="http://schemas.microsoft.com/office/drawing/2014/main" id="{F23A74C3-7A33-BD5A-FE65-AEFCDF123290}"/>
-              </a:ext>
-            </a:extLst>
-          </p:cNvPr>
-          <p:cNvSpPr txBox="1"/>
-          <p:nvPr/>
-        </p:nvSpPr>
-        <p:spPr>
-          <a:xfrm>
-            <a:off x="1086729" y="2370689"/>
-            <a:ext cx="1972994" cy="646331"/>
-          </a:xfrm>
-          <a:prstGeom prst="rect">
-            <a:avLst/>
-          </a:prstGeom>
-          <a:noFill/>
-        </p:spPr>
-        <p:txBody>
-          <a:bodyPr wrap="square">
-            <a:spAutoFit/>
-          </a:bodyPr>
-          <a:lstStyle/>
-          <a:p>
-            <a:endParaRPr lang="en-US" b="1" dirty="0">
-              <a:solidFill>
-                <a:schemeClr val="bg1"/>
-              </a:solidFill>
-            </a:endParaRPr>
-          </a:p>
-          <a:p>
-            <a:r>
-              <a:rPr lang="en-US" dirty="0">
-                <a:solidFill>
-                  <a:schemeClr val="bg1"/>
-                </a:solidFill>
-              </a:rPr>
-              <a:t>    </a:t>
-            </a:r>
-            <a:r>
-              <a:rPr lang="en-US" dirty="0" err="1">
-                <a:solidFill>
-                  <a:schemeClr val="bg1"/>
-                </a:solidFill>
-              </a:rPr>
-              <a:t>fgets</a:t>
-            </a:r>
-            <a:r>
-              <a:rPr lang="en-US" dirty="0">
-                <a:solidFill>
-                  <a:schemeClr val="bg1"/>
-                </a:solidFill>
-              </a:rPr>
-              <a:t>(STDIN)</a:t>
-            </a:r>
-          </a:p>
-        </p:txBody>
-      </p:sp>
-      <p:sp>
-        <p:nvSpPr>
-          <p:cNvPr id="4" name="TextBox 3">
-            <a:extLst>
-              <a:ext uri="{FF2B5EF4-FFF2-40B4-BE49-F238E27FC236}">
-                <a16:creationId xmlns:a16="http://schemas.microsoft.com/office/drawing/2014/main" id="{EA5CDAFE-2DD0-0ADA-0F1A-0980054A769F}"/>
-              </a:ext>
-            </a:extLst>
-          </p:cNvPr>
-          <p:cNvSpPr txBox="1"/>
-          <p:nvPr/>
-        </p:nvSpPr>
-        <p:spPr>
-          <a:xfrm>
-            <a:off x="8135816" y="2647688"/>
-            <a:ext cx="6096000" cy="369332"/>
-          </a:xfrm>
-          <a:prstGeom prst="rect">
-            <a:avLst/>
-          </a:prstGeom>
-          <a:noFill/>
-        </p:spPr>
-        <p:txBody>
-          <a:bodyPr wrap="square">
-            <a:spAutoFit/>
-          </a:bodyPr>
-          <a:lstStyle/>
-          <a:p>
-            <a:r>
-              <a:rPr lang="en-US" dirty="0" err="1">
-                <a:solidFill>
-                  <a:schemeClr val="bg1"/>
-                </a:solidFill>
-              </a:rPr>
-              <a:t>readline</a:t>
-            </a:r>
-            <a:r>
-              <a:rPr lang="en-US" dirty="0">
-                <a:solidFill>
-                  <a:schemeClr val="bg1"/>
-                </a:solidFill>
-              </a:rPr>
-              <a:t>()</a:t>
-            </a:r>
-            <a:endParaRPr lang="en-US" dirty="0"/>
-          </a:p>
-        </p:txBody>
-      </p:sp>
-      <p:pic>
-        <p:nvPicPr>
-          <p:cNvPr id="7" name="Picture 6">
-            <a:extLst>
-              <a:ext uri="{FF2B5EF4-FFF2-40B4-BE49-F238E27FC236}">
-                <a16:creationId xmlns:a16="http://schemas.microsoft.com/office/drawing/2014/main" id="{4347FC82-A8A0-94AD-7701-46EA0379377C}"/>
-              </a:ext>
-            </a:extLst>
-          </p:cNvPr>
-          <p:cNvPicPr>
-            <a:picLocks noChangeAspect="1"/>
-          </p:cNvPicPr>
-          <p:nvPr/>
-        </p:nvPicPr>
-        <p:blipFill>
-          <a:blip r:embed="rId3"/>
-          <a:stretch>
-            <a:fillRect/>
-          </a:stretch>
-        </p:blipFill>
-        <p:spPr>
-          <a:xfrm>
-            <a:off x="6569011" y="3201292"/>
-            <a:ext cx="5363323" cy="3296110"/>
-          </a:xfrm>
-          <a:prstGeom prst="rect">
-            <a:avLst/>
-          </a:prstGeom>
-        </p:spPr>
-      </p:pic>
-      <p:pic>
-        <p:nvPicPr>
-          <p:cNvPr id="9" name="Picture 8">
-            <a:extLst>
-              <a:ext uri="{FF2B5EF4-FFF2-40B4-BE49-F238E27FC236}">
-                <a16:creationId xmlns:a16="http://schemas.microsoft.com/office/drawing/2014/main" id="{38E679F4-8F04-1418-F040-ECED70B0F9C1}"/>
-              </a:ext>
-            </a:extLst>
-          </p:cNvPr>
-          <p:cNvPicPr>
-            <a:picLocks noChangeAspect="1"/>
-          </p:cNvPicPr>
-          <p:nvPr/>
-        </p:nvPicPr>
-        <p:blipFill>
-          <a:blip r:embed="rId4"/>
-          <a:stretch>
-            <a:fillRect/>
-          </a:stretch>
-        </p:blipFill>
-        <p:spPr>
-          <a:xfrm>
-            <a:off x="265886" y="3201292"/>
-            <a:ext cx="5830114" cy="3296110"/>
-          </a:xfrm>
-          <a:prstGeom prst="rect">
-            <a:avLst/>
-          </a:prstGeom>
-        </p:spPr>
-      </p:pic>
-    </p:spTree>
-    <p:extLst>
-      <p:ext uri="{BB962C8B-B14F-4D97-AF65-F5344CB8AC3E}">
-        <p14:creationId xmlns:p14="http://schemas.microsoft.com/office/powerpoint/2010/main" val="2752093103"/>
-      </p:ext>
-    </p:extLst>
-  </p:cSld>
-  <p:clrMapOvr>
-    <a:masterClrMapping/>
-  </p:clrMapOvr>
-</p:sld>
-</file>
-
-<file path=ppt/slides/slide11.xml><?xml version="1.0" encoding="utf-8"?>
-<p:sld xmlns:a="http://schemas.openxmlformats.org/drawingml/2006/main" xmlns:r="http://schemas.openxmlformats.org/officeDocument/2006/relationships" xmlns:p="http://schemas.openxmlformats.org/presentationml/2006/main">
-  <p:cSld>
-    <p:spTree>
-      <p:nvGrpSpPr>
-        <p:cNvPr id="1" name="">
-          <a:extLst>
-            <a:ext uri="{FF2B5EF4-FFF2-40B4-BE49-F238E27FC236}">
               <a16:creationId xmlns:a16="http://schemas.microsoft.com/office/drawing/2014/main" id="{39C0AC0A-A164-063F-1398-DF5588405900}"/>
             </a:ext>
           </a:extLst>
@@ -12008,7 +11909,7 @@
 </p:sld>
 </file>
 
-<file path=ppt/slides/slide12.xml><?xml version="1.0" encoding="utf-8"?>
+<file path=ppt/slides/slide11.xml><?xml version="1.0" encoding="utf-8"?>
 <p:sld xmlns:a="http://schemas.openxmlformats.org/drawingml/2006/main" xmlns:r="http://schemas.openxmlformats.org/officeDocument/2006/relationships" xmlns:p="http://schemas.openxmlformats.org/presentationml/2006/main">
   <p:cSld>
     <p:spTree>
@@ -12178,10 +12079,10 @@
       </p:sp>
       <p:pic>
         <p:nvPicPr>
-          <p:cNvPr id="4" name="Picture 3">
-            <a:extLst>
-              <a:ext uri="{FF2B5EF4-FFF2-40B4-BE49-F238E27FC236}">
-                <a16:creationId xmlns:a16="http://schemas.microsoft.com/office/drawing/2014/main" id="{03F47E2E-9724-13E6-9D7F-1A25B92C3624}"/>
+          <p:cNvPr id="5" name="Picture 4">
+            <a:extLst>
+              <a:ext uri="{FF2B5EF4-FFF2-40B4-BE49-F238E27FC236}">
+                <a16:creationId xmlns:a16="http://schemas.microsoft.com/office/drawing/2014/main" id="{F03D347E-86DF-9524-D257-18A93941C0AD}"/>
               </a:ext>
             </a:extLst>
           </p:cNvPr>
@@ -12198,8 +12099,8 @@
         </p:blipFill>
         <p:spPr>
           <a:xfrm>
-            <a:off x="2657367" y="2534897"/>
-            <a:ext cx="7307499" cy="3865903"/>
+            <a:off x="3570456" y="2341925"/>
+            <a:ext cx="5432675" cy="3636843"/>
           </a:xfrm>
           <a:prstGeom prst="rect">
             <a:avLst/>
@@ -12219,7 +12120,7 @@
 </p:sld>
 </file>
 
-<file path=ppt/slides/slide13.xml><?xml version="1.0" encoding="utf-8"?>
+<file path=ppt/slides/slide12.xml><?xml version="1.0" encoding="utf-8"?>
 <p:sld xmlns:a="http://schemas.openxmlformats.org/drawingml/2006/main" xmlns:r="http://schemas.openxmlformats.org/officeDocument/2006/relationships" xmlns:p="http://schemas.openxmlformats.org/presentationml/2006/main">
   <p:cSld>
     <p:spTree>
@@ -12430,7 +12331,7 @@
 </p:sld>
 </file>
 
-<file path=ppt/slides/slide14.xml><?xml version="1.0" encoding="utf-8"?>
+<file path=ppt/slides/slide13.xml><?xml version="1.0" encoding="utf-8"?>
 <p:sld xmlns:a="http://schemas.openxmlformats.org/drawingml/2006/main" xmlns:r="http://schemas.openxmlformats.org/officeDocument/2006/relationships" xmlns:p="http://schemas.openxmlformats.org/presentationml/2006/main">
   <p:cSld>
     <p:spTree>
@@ -12641,7 +12542,7 @@
 </p:sld>
 </file>
 
-<file path=ppt/slides/slide15.xml><?xml version="1.0" encoding="utf-8"?>
+<file path=ppt/slides/slide14.xml><?xml version="1.0" encoding="utf-8"?>
 <p:sld xmlns:a="http://schemas.openxmlformats.org/drawingml/2006/main" xmlns:r="http://schemas.openxmlformats.org/officeDocument/2006/relationships" xmlns:p="http://schemas.openxmlformats.org/presentationml/2006/main">
   <p:cSld>
     <p:spTree>
@@ -12740,7 +12641,7 @@
 </p:sld>
 </file>
 
-<file path=ppt/slides/slide16.xml><?xml version="1.0" encoding="utf-8"?>
+<file path=ppt/slides/slide15.xml><?xml version="1.0" encoding="utf-8"?>
 <p:sld xmlns:a="http://schemas.openxmlformats.org/drawingml/2006/main" xmlns:r="http://schemas.openxmlformats.org/officeDocument/2006/relationships" xmlns:p="http://schemas.openxmlformats.org/presentationml/2006/main">
   <p:cSld>
     <p:spTree>
@@ -12839,7 +12740,7 @@
 </p:sld>
 </file>
 
-<file path=ppt/slides/slide17.xml><?xml version="1.0" encoding="utf-8"?>
+<file path=ppt/slides/slide16.xml><?xml version="1.0" encoding="utf-8"?>
 <p:sld xmlns:a="http://schemas.openxmlformats.org/drawingml/2006/main" xmlns:r="http://schemas.openxmlformats.org/officeDocument/2006/relationships" xmlns:p="http://schemas.openxmlformats.org/presentationml/2006/main">
   <p:cSld>
     <p:spTree>
@@ -12938,7 +12839,7 @@
 </p:sld>
 </file>
 
-<file path=ppt/slides/slide18.xml><?xml version="1.0" encoding="utf-8"?>
+<file path=ppt/slides/slide17.xml><?xml version="1.0" encoding="utf-8"?>
 <p:sld xmlns:a="http://schemas.openxmlformats.org/drawingml/2006/main" xmlns:r="http://schemas.openxmlformats.org/officeDocument/2006/relationships" xmlns:p="http://schemas.openxmlformats.org/presentationml/2006/main">
   <p:cSld>
     <p:spTree>
@@ -13037,7 +12938,7 @@
 </p:sld>
 </file>
 
-<file path=ppt/slides/slide19.xml><?xml version="1.0" encoding="utf-8"?>
+<file path=ppt/slides/slide18.xml><?xml version="1.0" encoding="utf-8"?>
 <p:sld xmlns:a="http://schemas.openxmlformats.org/drawingml/2006/main" xmlns:r="http://schemas.openxmlformats.org/officeDocument/2006/relationships" xmlns:p="http://schemas.openxmlformats.org/presentationml/2006/main">
   <p:cSld>
     <p:spTree>
@@ -13136,6 +13037,105 @@
 </p:sld>
 </file>
 
+<file path=ppt/slides/slide19.xml><?xml version="1.0" encoding="utf-8"?>
+<p:sld xmlns:a="http://schemas.openxmlformats.org/drawingml/2006/main" xmlns:r="http://schemas.openxmlformats.org/officeDocument/2006/relationships" xmlns:p="http://schemas.openxmlformats.org/presentationml/2006/main">
+  <p:cSld>
+    <p:spTree>
+      <p:nvGrpSpPr>
+        <p:cNvPr id="1" name="">
+          <a:extLst>
+            <a:ext uri="{FF2B5EF4-FFF2-40B4-BE49-F238E27FC236}">
+              <a16:creationId xmlns:a16="http://schemas.microsoft.com/office/drawing/2014/main" id="{58E136CF-A7D3-4F00-8E42-855CF7EDD5F3}"/>
+            </a:ext>
+          </a:extLst>
+        </p:cNvPr>
+        <p:cNvGrpSpPr/>
+        <p:nvPr/>
+      </p:nvGrpSpPr>
+      <p:grpSpPr>
+        <a:xfrm>
+          <a:off x="0" y="0"/>
+          <a:ext cx="0" cy="0"/>
+          <a:chOff x="0" y="0"/>
+          <a:chExt cx="0" cy="0"/>
+        </a:xfrm>
+      </p:grpSpPr>
+      <p:sp>
+        <p:nvSpPr>
+          <p:cNvPr id="2" name="Title 1">
+            <a:extLst>
+              <a:ext uri="{FF2B5EF4-FFF2-40B4-BE49-F238E27FC236}">
+                <a16:creationId xmlns:a16="http://schemas.microsoft.com/office/drawing/2014/main" id="{0577AFE1-B166-17AC-A2F0-65695D18ED33}"/>
+              </a:ext>
+            </a:extLst>
+          </p:cNvPr>
+          <p:cNvSpPr>
+            <a:spLocks noGrp="1"/>
+          </p:cNvSpPr>
+          <p:nvPr>
+            <p:ph type="title"/>
+          </p:nvPr>
+        </p:nvSpPr>
+        <p:spPr>
+          <a:xfrm>
+            <a:off x="594360" y="198408"/>
+            <a:ext cx="10972800" cy="1574317"/>
+          </a:xfrm>
+        </p:spPr>
+        <p:txBody>
+          <a:bodyPr/>
+          <a:lstStyle/>
+          <a:p>
+            <a:r>
+              <a:rPr lang="en-US" dirty="0"/>
+              <a:t>Arrays – Indexed Array</a:t>
+            </a:r>
+          </a:p>
+        </p:txBody>
+      </p:sp>
+      <p:pic>
+        <p:nvPicPr>
+          <p:cNvPr id="4" name="Picture 3">
+            <a:extLst>
+              <a:ext uri="{FF2B5EF4-FFF2-40B4-BE49-F238E27FC236}">
+                <a16:creationId xmlns:a16="http://schemas.microsoft.com/office/drawing/2014/main" id="{7C682541-AA2E-E9BA-5BED-52505738B33F}"/>
+              </a:ext>
+            </a:extLst>
+          </p:cNvPr>
+          <p:cNvPicPr>
+            <a:picLocks noChangeAspect="1"/>
+          </p:cNvPicPr>
+          <p:nvPr/>
+        </p:nvPicPr>
+        <p:blipFill>
+          <a:blip r:embed="rId3"/>
+          <a:stretch>
+            <a:fillRect/>
+          </a:stretch>
+        </p:blipFill>
+        <p:spPr>
+          <a:xfrm>
+            <a:off x="594360" y="2660361"/>
+            <a:ext cx="11567160" cy="3112160"/>
+          </a:xfrm>
+          <a:prstGeom prst="rect">
+            <a:avLst/>
+          </a:prstGeom>
+        </p:spPr>
+      </p:pic>
+    </p:spTree>
+    <p:extLst>
+      <p:ext uri="{BB962C8B-B14F-4D97-AF65-F5344CB8AC3E}">
+        <p14:creationId xmlns:p14="http://schemas.microsoft.com/office/powerpoint/2010/main" val="2303429738"/>
+      </p:ext>
+    </p:extLst>
+  </p:cSld>
+  <p:clrMapOvr>
+    <a:masterClrMapping/>
+  </p:clrMapOvr>
+</p:sld>
+</file>
+
 <file path=ppt/slides/slide2.xml><?xml version="1.0" encoding="utf-8"?>
 <p:sld xmlns:a="http://schemas.openxmlformats.org/drawingml/2006/main" xmlns:r="http://schemas.openxmlformats.org/officeDocument/2006/relationships" xmlns:p="http://schemas.openxmlformats.org/presentationml/2006/main">
   <p:cSld>
@@ -13204,8 +13204,8 @@
         </p:nvSpPr>
         <p:spPr bwMode="auto">
           <a:xfrm>
-            <a:off x="594360" y="2646117"/>
-            <a:ext cx="6510115" cy="2031325"/>
+            <a:off x="594360" y="2784616"/>
+            <a:ext cx="6506909" cy="1754326"/>
           </a:xfrm>
           <a:prstGeom prst="rect">
             <a:avLst/>
@@ -13265,6 +13265,26 @@
               </a:spcAft>
               <a:buNone/>
             </a:pPr>
+            <a:endParaRPr lang="en-US" altLang="en-US" sz="1800" b="0" dirty="0">
+              <a:solidFill>
+                <a:schemeClr val="bg1"/>
+              </a:solidFill>
+              <a:latin typeface="Arial" panose="020B0604020202020204" pitchFamily="34" charset="0"/>
+            </a:endParaRPr>
+          </a:p>
+          <a:p>
+            <a:pPr marL="0" lvl="0" indent="0" eaLnBrk="0" fontAlgn="base" hangingPunct="0">
+              <a:lnSpc>
+                <a:spcPct val="100000"/>
+              </a:lnSpc>
+              <a:spcBef>
+                <a:spcPct val="0"/>
+              </a:spcBef>
+              <a:spcAft>
+                <a:spcPct val="0"/>
+              </a:spcAft>
+              <a:buNone/>
+            </a:pPr>
             <a:r>
               <a:rPr lang="en-US" altLang="en-US" sz="1800" b="0" dirty="0">
                 <a:solidFill>
@@ -13272,7 +13292,7 @@
                 </a:solidFill>
                 <a:latin typeface="Arial" panose="020B0604020202020204" pitchFamily="34" charset="0"/>
               </a:rPr>
-              <a:t>-Describe what PHP is and how it works in web development</a:t>
+              <a:t>-Write basic PHP scripts using variables and output</a:t>
             </a:r>
           </a:p>
           <a:p>
@@ -13316,7 +13336,7 @@
                 </a:solidFill>
                 <a:latin typeface="Arial" panose="020B0604020202020204" pitchFamily="34" charset="0"/>
               </a:rPr>
-              <a:t>-Write basic PHP scripts using variables and output</a:t>
+              <a:t>-Use conditional statements and loops to control program flow</a:t>
             </a:r>
           </a:p>
           <a:p>
@@ -13360,50 +13380,6 @@
                 </a:solidFill>
                 <a:latin typeface="Arial" panose="020B0604020202020204" pitchFamily="34" charset="0"/>
               </a:rPr>
-              <a:t>-Use conditional statements and loops to control program flow</a:t>
-            </a:r>
-          </a:p>
-          <a:p>
-            <a:pPr marL="0" lvl="0" indent="0" eaLnBrk="0" fontAlgn="base" hangingPunct="0">
-              <a:lnSpc>
-                <a:spcPct val="100000"/>
-              </a:lnSpc>
-              <a:spcBef>
-                <a:spcPct val="0"/>
-              </a:spcBef>
-              <a:spcAft>
-                <a:spcPct val="0"/>
-              </a:spcAft>
-              <a:buFontTx/>
-              <a:buChar char="•"/>
-            </a:pPr>
-            <a:endParaRPr lang="en-US" altLang="en-US" sz="1800" b="0" dirty="0">
-              <a:solidFill>
-                <a:schemeClr val="bg1"/>
-              </a:solidFill>
-              <a:latin typeface="Arial" panose="020B0604020202020204" pitchFamily="34" charset="0"/>
-            </a:endParaRPr>
-          </a:p>
-          <a:p>
-            <a:pPr marL="0" lvl="0" indent="0" eaLnBrk="0" fontAlgn="base" hangingPunct="0">
-              <a:lnSpc>
-                <a:spcPct val="100000"/>
-              </a:lnSpc>
-              <a:spcBef>
-                <a:spcPct val="0"/>
-              </a:spcBef>
-              <a:spcAft>
-                <a:spcPct val="0"/>
-              </a:spcAft>
-              <a:buNone/>
-            </a:pPr>
-            <a:r>
-              <a:rPr lang="en-US" altLang="en-US" sz="1800" b="0" dirty="0">
-                <a:solidFill>
-                  <a:schemeClr val="bg1"/>
-                </a:solidFill>
-                <a:latin typeface="Arial" panose="020B0604020202020204" pitchFamily="34" charset="0"/>
-              </a:rPr>
               <a:t>-Create simple PHP functions to organize reusable code</a:t>
             </a:r>
             <a:endParaRPr kumimoji="0" lang="en-US" altLang="en-US" sz="1800" b="0" i="0" u="none" strike="noStrike" cap="none" normalizeH="0" baseline="0" dirty="0">
@@ -13433,105 +13409,6 @@
 </file>
 
 <file path=ppt/slides/slide20.xml><?xml version="1.0" encoding="utf-8"?>
-<p:sld xmlns:a="http://schemas.openxmlformats.org/drawingml/2006/main" xmlns:r="http://schemas.openxmlformats.org/officeDocument/2006/relationships" xmlns:p="http://schemas.openxmlformats.org/presentationml/2006/main">
-  <p:cSld>
-    <p:spTree>
-      <p:nvGrpSpPr>
-        <p:cNvPr id="1" name="">
-          <a:extLst>
-            <a:ext uri="{FF2B5EF4-FFF2-40B4-BE49-F238E27FC236}">
-              <a16:creationId xmlns:a16="http://schemas.microsoft.com/office/drawing/2014/main" id="{58E136CF-A7D3-4F00-8E42-855CF7EDD5F3}"/>
-            </a:ext>
-          </a:extLst>
-        </p:cNvPr>
-        <p:cNvGrpSpPr/>
-        <p:nvPr/>
-      </p:nvGrpSpPr>
-      <p:grpSpPr>
-        <a:xfrm>
-          <a:off x="0" y="0"/>
-          <a:ext cx="0" cy="0"/>
-          <a:chOff x="0" y="0"/>
-          <a:chExt cx="0" cy="0"/>
-        </a:xfrm>
-      </p:grpSpPr>
-      <p:sp>
-        <p:nvSpPr>
-          <p:cNvPr id="2" name="Title 1">
-            <a:extLst>
-              <a:ext uri="{FF2B5EF4-FFF2-40B4-BE49-F238E27FC236}">
-                <a16:creationId xmlns:a16="http://schemas.microsoft.com/office/drawing/2014/main" id="{0577AFE1-B166-17AC-A2F0-65695D18ED33}"/>
-              </a:ext>
-            </a:extLst>
-          </p:cNvPr>
-          <p:cNvSpPr>
-            <a:spLocks noGrp="1"/>
-          </p:cNvSpPr>
-          <p:nvPr>
-            <p:ph type="title"/>
-          </p:nvPr>
-        </p:nvSpPr>
-        <p:spPr>
-          <a:xfrm>
-            <a:off x="594360" y="198408"/>
-            <a:ext cx="10972800" cy="1574317"/>
-          </a:xfrm>
-        </p:spPr>
-        <p:txBody>
-          <a:bodyPr/>
-          <a:lstStyle/>
-          <a:p>
-            <a:r>
-              <a:rPr lang="en-US" dirty="0"/>
-              <a:t>Arrays – Indexed Array</a:t>
-            </a:r>
-          </a:p>
-        </p:txBody>
-      </p:sp>
-      <p:pic>
-        <p:nvPicPr>
-          <p:cNvPr id="4" name="Picture 3">
-            <a:extLst>
-              <a:ext uri="{FF2B5EF4-FFF2-40B4-BE49-F238E27FC236}">
-                <a16:creationId xmlns:a16="http://schemas.microsoft.com/office/drawing/2014/main" id="{7C682541-AA2E-E9BA-5BED-52505738B33F}"/>
-              </a:ext>
-            </a:extLst>
-          </p:cNvPr>
-          <p:cNvPicPr>
-            <a:picLocks noChangeAspect="1"/>
-          </p:cNvPicPr>
-          <p:nvPr/>
-        </p:nvPicPr>
-        <p:blipFill>
-          <a:blip r:embed="rId3"/>
-          <a:stretch>
-            <a:fillRect/>
-          </a:stretch>
-        </p:blipFill>
-        <p:spPr>
-          <a:xfrm>
-            <a:off x="594360" y="2660361"/>
-            <a:ext cx="11567160" cy="3112160"/>
-          </a:xfrm>
-          <a:prstGeom prst="rect">
-            <a:avLst/>
-          </a:prstGeom>
-        </p:spPr>
-      </p:pic>
-    </p:spTree>
-    <p:extLst>
-      <p:ext uri="{BB962C8B-B14F-4D97-AF65-F5344CB8AC3E}">
-        <p14:creationId xmlns:p14="http://schemas.microsoft.com/office/powerpoint/2010/main" val="2303429738"/>
-      </p:ext>
-    </p:extLst>
-  </p:cSld>
-  <p:clrMapOvr>
-    <a:masterClrMapping/>
-  </p:clrMapOvr>
-</p:sld>
-</file>
-
-<file path=ppt/slides/slide21.xml><?xml version="1.0" encoding="utf-8"?>
 <p:sld xmlns:a="http://schemas.openxmlformats.org/drawingml/2006/main" xmlns:r="http://schemas.openxmlformats.org/officeDocument/2006/relationships" xmlns:p="http://schemas.openxmlformats.org/presentationml/2006/main">
   <p:cSld>
     <p:spTree>
@@ -13630,7 +13507,7 @@
 </p:sld>
 </file>
 
-<file path=ppt/slides/slide22.xml><?xml version="1.0" encoding="utf-8"?>
+<file path=ppt/slides/slide21.xml><?xml version="1.0" encoding="utf-8"?>
 <p:sld xmlns:a="http://schemas.openxmlformats.org/drawingml/2006/main" xmlns:r="http://schemas.openxmlformats.org/officeDocument/2006/relationships" xmlns:p="http://schemas.openxmlformats.org/presentationml/2006/main">
   <p:cSld>
     <p:spTree>
@@ -13729,7 +13606,7 @@
 </p:sld>
 </file>
 
-<file path=ppt/slides/slide23.xml><?xml version="1.0" encoding="utf-8"?>
+<file path=ppt/slides/slide22.xml><?xml version="1.0" encoding="utf-8"?>
 <p:sld xmlns:a="http://schemas.openxmlformats.org/drawingml/2006/main" xmlns:r="http://schemas.openxmlformats.org/officeDocument/2006/relationships" xmlns:p="http://schemas.openxmlformats.org/presentationml/2006/main">
   <p:cSld>
     <p:spTree>
@@ -13770,6 +13647,766 @@
         </p:nvSpPr>
         <p:spPr>
           <a:xfrm>
+            <a:off x="211015" y="51483"/>
+            <a:ext cx="7678615" cy="811433"/>
+          </a:xfrm>
+        </p:spPr>
+        <p:txBody>
+          <a:bodyPr/>
+          <a:lstStyle/>
+          <a:p>
+            <a:r>
+              <a:rPr lang="en-US" dirty="0"/>
+              <a:t>Practice Activity</a:t>
+            </a:r>
+          </a:p>
+        </p:txBody>
+      </p:sp>
+      <p:sp>
+        <p:nvSpPr>
+          <p:cNvPr id="3" name="Rectangle 1">
+            <a:extLst>
+              <a:ext uri="{FF2B5EF4-FFF2-40B4-BE49-F238E27FC236}">
+                <a16:creationId xmlns:a16="http://schemas.microsoft.com/office/drawing/2014/main" id="{63CFBC64-9C4E-B4A9-B280-8CEAD195E05B}"/>
+              </a:ext>
+            </a:extLst>
+          </p:cNvPr>
+          <p:cNvSpPr>
+            <a:spLocks noChangeArrowheads="1"/>
+          </p:cNvSpPr>
+          <p:nvPr/>
+        </p:nvSpPr>
+        <p:spPr bwMode="auto">
+          <a:xfrm>
+            <a:off x="0" y="0"/>
+            <a:ext cx="12192000" cy="457200"/>
+          </a:xfrm>
+          <a:prstGeom prst="rect">
+            <a:avLst/>
+          </a:prstGeom>
+          <a:noFill/>
+          <a:ln>
+            <a:noFill/>
+          </a:ln>
+          <a:effectLst/>
+          <a:extLst>
+            <a:ext uri="{909E8E84-426E-40DD-AFC4-6F175D3DCCD1}">
+              <a14:hiddenFill xmlns:a14="http://schemas.microsoft.com/office/drawing/2010/main">
+                <a:solidFill>
+                  <a:schemeClr val="accent1"/>
+                </a:solidFill>
+              </a14:hiddenFill>
+            </a:ext>
+            <a:ext uri="{91240B29-F687-4F45-9708-019B960494DF}">
+              <a14:hiddenLine xmlns:a14="http://schemas.microsoft.com/office/drawing/2010/main" w="9525">
+                <a:solidFill>
+                  <a:schemeClr val="tx1"/>
+                </a:solidFill>
+                <a:miter lim="800000"/>
+                <a:headEnd/>
+                <a:tailEnd/>
+              </a14:hiddenLine>
+            </a:ext>
+            <a:ext uri="{AF507438-7753-43E0-B8FC-AC1667EBCBE1}">
+              <a14:hiddenEffects xmlns:a14="http://schemas.microsoft.com/office/drawing/2010/main">
+                <a:effectLst>
+                  <a:outerShdw dist="35921" dir="2700000" algn="ctr" rotWithShape="0">
+                    <a:schemeClr val="bg2"/>
+                  </a:outerShdw>
+                </a:effectLst>
+              </a14:hiddenEffects>
+            </a:ext>
+          </a:extLst>
+        </p:spPr>
+        <p:txBody>
+          <a:bodyPr vert="horz" wrap="none" lIns="91440" tIns="45720" rIns="91440" bIns="45720" numCol="1" anchor="ctr" anchorCtr="0" compatLnSpc="1">
+            <a:prstTxWarp prst="textNoShape">
+              <a:avLst/>
+            </a:prstTxWarp>
+            <a:spAutoFit/>
+          </a:bodyPr>
+          <a:lstStyle/>
+          <a:p>
+            <a:pPr marL="0" marR="0" lvl="0" indent="0" algn="l" defTabSz="914400" rtl="0" eaLnBrk="0" fontAlgn="base" latinLnBrk="0" hangingPunct="0">
+              <a:lnSpc>
+                <a:spcPct val="100000"/>
+              </a:lnSpc>
+              <a:spcBef>
+                <a:spcPct val="0"/>
+              </a:spcBef>
+              <a:spcAft>
+                <a:spcPct val="0"/>
+              </a:spcAft>
+              <a:buClrTx/>
+              <a:buSzTx/>
+              <a:buFontTx/>
+              <a:buNone/>
+              <a:tabLst/>
+            </a:pPr>
+            <a:r>
+              <a:rPr kumimoji="0" lang="en-US" altLang="en-US" sz="1800" b="1" i="0" u="none" strike="noStrike" cap="none" normalizeH="0" baseline="0">
+                <a:ln>
+                  <a:noFill/>
+                </a:ln>
+                <a:solidFill>
+                  <a:schemeClr val="tx1"/>
+                </a:solidFill>
+                <a:effectLst/>
+                <a:latin typeface="Arial" panose="020B0604020202020204" pitchFamily="34" charset="0"/>
+              </a:rPr>
+              <a:t>Count Even Numbers</a:t>
+            </a:r>
+            <a:br>
+              <a:rPr kumimoji="0" lang="en-US" altLang="en-US" sz="1800" b="0" i="0" u="none" strike="noStrike" cap="none" normalizeH="0" baseline="0">
+                <a:ln>
+                  <a:noFill/>
+                </a:ln>
+                <a:solidFill>
+                  <a:schemeClr val="tx1"/>
+                </a:solidFill>
+                <a:effectLst/>
+                <a:latin typeface="Arial" panose="020B0604020202020204" pitchFamily="34" charset="0"/>
+              </a:rPr>
+            </a:br>
+            <a:r>
+              <a:rPr kumimoji="0" lang="en-US" altLang="en-US" sz="1800" b="0" i="0" u="none" strike="noStrike" cap="none" normalizeH="0" baseline="0">
+                <a:ln>
+                  <a:noFill/>
+                </a:ln>
+                <a:solidFill>
+                  <a:schemeClr val="tx1"/>
+                </a:solidFill>
+                <a:effectLst/>
+                <a:latin typeface="Arial" panose="020B0604020202020204" pitchFamily="34" charset="0"/>
+              </a:rPr>
+              <a:t>Write a program using a </a:t>
+            </a:r>
+            <a:r>
+              <a:rPr kumimoji="0" lang="en-US" altLang="en-US" sz="1000" b="0" i="0" u="none" strike="noStrike" cap="none" normalizeH="0" baseline="0">
+                <a:ln>
+                  <a:noFill/>
+                </a:ln>
+                <a:solidFill>
+                  <a:schemeClr val="tx1"/>
+                </a:solidFill>
+                <a:effectLst/>
+                <a:latin typeface="Arial Unicode MS"/>
+              </a:rPr>
+              <a:t>while</a:t>
+            </a:r>
+            <a:r>
+              <a:rPr kumimoji="0" lang="en-US" altLang="en-US" sz="800" b="0" i="0" u="none" strike="noStrike" cap="none" normalizeH="0" baseline="0">
+                <a:ln>
+                  <a:noFill/>
+                </a:ln>
+                <a:solidFill>
+                  <a:schemeClr val="tx1"/>
+                </a:solidFill>
+                <a:effectLst/>
+              </a:rPr>
+              <a:t> loop that asks the user to enter 7 numbers and counts how many of them are even. </a:t>
+            </a:r>
+            <a:endParaRPr kumimoji="0" lang="en-US" altLang="en-US" sz="1800" b="0" i="0" u="none" strike="noStrike" cap="none" normalizeH="0" baseline="0">
+              <a:ln>
+                <a:noFill/>
+              </a:ln>
+              <a:solidFill>
+                <a:schemeClr val="tx1"/>
+              </a:solidFill>
+              <a:effectLst/>
+              <a:latin typeface="Arial" panose="020B0604020202020204" pitchFamily="34" charset="0"/>
+            </a:endParaRPr>
+          </a:p>
+        </p:txBody>
+      </p:sp>
+      <p:sp>
+        <p:nvSpPr>
+          <p:cNvPr id="15" name="TextBox 14">
+            <a:extLst>
+              <a:ext uri="{FF2B5EF4-FFF2-40B4-BE49-F238E27FC236}">
+                <a16:creationId xmlns:a16="http://schemas.microsoft.com/office/drawing/2014/main" id="{05679C9F-9F5C-B89F-8608-D271FF62AD2F}"/>
+              </a:ext>
+            </a:extLst>
+          </p:cNvPr>
+          <p:cNvSpPr txBox="1"/>
+          <p:nvPr/>
+        </p:nvSpPr>
+        <p:spPr>
+          <a:xfrm>
+            <a:off x="1547445" y="2662205"/>
+            <a:ext cx="8757139" cy="2585323"/>
+          </a:xfrm>
+          <a:prstGeom prst="rect">
+            <a:avLst/>
+          </a:prstGeom>
+          <a:noFill/>
+        </p:spPr>
+        <p:txBody>
+          <a:bodyPr wrap="square">
+            <a:spAutoFit/>
+          </a:bodyPr>
+          <a:lstStyle/>
+          <a:p>
+            <a:r>
+              <a:rPr lang="en-US" b="1" dirty="0">
+                <a:solidFill>
+                  <a:schemeClr val="bg1"/>
+                </a:solidFill>
+              </a:rPr>
+              <a:t>1. Check if a Number is Positive or Negative</a:t>
+            </a:r>
+          </a:p>
+          <a:p>
+            <a:r>
+              <a:rPr lang="en-US" dirty="0">
+                <a:solidFill>
+                  <a:schemeClr val="bg1"/>
+                </a:solidFill>
+              </a:rPr>
+              <a:t>Write a program that asks the user for a number and displays whether it is </a:t>
+            </a:r>
+            <a:r>
+              <a:rPr lang="en-US" b="1" dirty="0">
+                <a:solidFill>
+                  <a:schemeClr val="bg1"/>
+                </a:solidFill>
+              </a:rPr>
+              <a:t>positive</a:t>
+            </a:r>
+            <a:r>
+              <a:rPr lang="en-US" dirty="0">
+                <a:solidFill>
+                  <a:schemeClr val="bg1"/>
+                </a:solidFill>
+              </a:rPr>
+              <a:t> or </a:t>
+            </a:r>
+            <a:r>
+              <a:rPr lang="en-US" b="1" dirty="0">
+                <a:solidFill>
+                  <a:schemeClr val="bg1"/>
+                </a:solidFill>
+              </a:rPr>
+              <a:t>negative</a:t>
+            </a:r>
+            <a:r>
+              <a:rPr lang="en-US" dirty="0">
+                <a:solidFill>
+                  <a:schemeClr val="bg1"/>
+                </a:solidFill>
+              </a:rPr>
+              <a:t>.</a:t>
+            </a:r>
+            <a:br>
+              <a:rPr lang="en-US" dirty="0">
+                <a:solidFill>
+                  <a:schemeClr val="bg1"/>
+                </a:solidFill>
+              </a:rPr>
+            </a:br>
+            <a:r>
+              <a:rPr lang="en-US" i="1" dirty="0">
+                <a:solidFill>
+                  <a:schemeClr val="bg1"/>
+                </a:solidFill>
+              </a:rPr>
+              <a:t>(If it’s zero, display “Zero”)</a:t>
+            </a:r>
+            <a:endParaRPr lang="en-US" dirty="0">
+              <a:solidFill>
+                <a:schemeClr val="bg1"/>
+              </a:solidFill>
+            </a:endParaRPr>
+          </a:p>
+          <a:p>
+            <a:r>
+              <a:rPr lang="en-US" b="1" dirty="0">
+                <a:solidFill>
+                  <a:schemeClr val="bg1"/>
+                </a:solidFill>
+              </a:rPr>
+              <a:t>2. Check if a Person is Eligible to Vote</a:t>
+            </a:r>
+          </a:p>
+          <a:p>
+            <a:r>
+              <a:rPr lang="en-US" dirty="0">
+                <a:solidFill>
+                  <a:schemeClr val="bg1"/>
+                </a:solidFill>
+              </a:rPr>
+              <a:t>Ask the user for their age.</a:t>
+            </a:r>
+            <a:br>
+              <a:rPr lang="en-US" dirty="0">
+                <a:solidFill>
+                  <a:schemeClr val="bg1"/>
+                </a:solidFill>
+              </a:rPr>
+            </a:br>
+            <a:r>
+              <a:rPr lang="en-US" dirty="0">
+                <a:solidFill>
+                  <a:schemeClr val="bg1"/>
+                </a:solidFill>
+              </a:rPr>
+              <a:t>If they are </a:t>
+            </a:r>
+            <a:r>
+              <a:rPr lang="en-US" b="1" dirty="0">
+                <a:solidFill>
+                  <a:schemeClr val="bg1"/>
+                </a:solidFill>
+              </a:rPr>
+              <a:t>18 or older</a:t>
+            </a:r>
+            <a:r>
+              <a:rPr lang="en-US" dirty="0">
+                <a:solidFill>
+                  <a:schemeClr val="bg1"/>
+                </a:solidFill>
+              </a:rPr>
+              <a:t>, display “You are eligible to vote.”</a:t>
+            </a:r>
+            <a:br>
+              <a:rPr lang="en-US" dirty="0">
+                <a:solidFill>
+                  <a:schemeClr val="bg1"/>
+                </a:solidFill>
+              </a:rPr>
+            </a:br>
+            <a:r>
+              <a:rPr lang="en-US" dirty="0">
+                <a:solidFill>
+                  <a:schemeClr val="bg1"/>
+                </a:solidFill>
+              </a:rPr>
+              <a:t>Otherwise, display “You are not eligible to vote.”</a:t>
+            </a:r>
+          </a:p>
+          <a:p>
+            <a:endParaRPr lang="en-US" dirty="0">
+              <a:solidFill>
+                <a:schemeClr val="bg1"/>
+              </a:solidFill>
+            </a:endParaRPr>
+          </a:p>
+        </p:txBody>
+      </p:sp>
+    </p:spTree>
+    <p:extLst>
+      <p:ext uri="{BB962C8B-B14F-4D97-AF65-F5344CB8AC3E}">
+        <p14:creationId xmlns:p14="http://schemas.microsoft.com/office/powerpoint/2010/main" val="552872016"/>
+      </p:ext>
+    </p:extLst>
+  </p:cSld>
+  <p:clrMapOvr>
+    <a:masterClrMapping/>
+  </p:clrMapOvr>
+</p:sld>
+</file>
+
+<file path=ppt/slides/slide23.xml><?xml version="1.0" encoding="utf-8"?>
+<p:sld xmlns:a="http://schemas.openxmlformats.org/drawingml/2006/main" xmlns:r="http://schemas.openxmlformats.org/officeDocument/2006/relationships" xmlns:p="http://schemas.openxmlformats.org/presentationml/2006/main">
+  <p:cSld>
+    <p:spTree>
+      <p:nvGrpSpPr>
+        <p:cNvPr id="1" name="">
+          <a:extLst>
+            <a:ext uri="{FF2B5EF4-FFF2-40B4-BE49-F238E27FC236}">
+              <a16:creationId xmlns:a16="http://schemas.microsoft.com/office/drawing/2014/main" id="{FAC92EE7-CAE7-7217-BEF2-41426090488E}"/>
+            </a:ext>
+          </a:extLst>
+        </p:cNvPr>
+        <p:cNvGrpSpPr/>
+        <p:nvPr/>
+      </p:nvGrpSpPr>
+      <p:grpSpPr>
+        <a:xfrm>
+          <a:off x="0" y="0"/>
+          <a:ext cx="0" cy="0"/>
+          <a:chOff x="0" y="0"/>
+          <a:chExt cx="0" cy="0"/>
+        </a:xfrm>
+      </p:grpSpPr>
+      <p:sp>
+        <p:nvSpPr>
+          <p:cNvPr id="2" name="Title 1">
+            <a:extLst>
+              <a:ext uri="{FF2B5EF4-FFF2-40B4-BE49-F238E27FC236}">
+                <a16:creationId xmlns:a16="http://schemas.microsoft.com/office/drawing/2014/main" id="{5C079D7A-725C-B6B2-8426-99DBB4149DD3}"/>
+              </a:ext>
+            </a:extLst>
+          </p:cNvPr>
+          <p:cNvSpPr>
+            <a:spLocks noGrp="1"/>
+          </p:cNvSpPr>
+          <p:nvPr>
+            <p:ph type="title"/>
+          </p:nvPr>
+        </p:nvSpPr>
+        <p:spPr>
+          <a:xfrm>
+            <a:off x="211015" y="51483"/>
+            <a:ext cx="7678615" cy="811433"/>
+          </a:xfrm>
+        </p:spPr>
+        <p:txBody>
+          <a:bodyPr/>
+          <a:lstStyle/>
+          <a:p>
+            <a:r>
+              <a:rPr lang="en-US" dirty="0"/>
+              <a:t>Practice Activity</a:t>
+            </a:r>
+          </a:p>
+        </p:txBody>
+      </p:sp>
+      <p:sp>
+        <p:nvSpPr>
+          <p:cNvPr id="3" name="Rectangle 1">
+            <a:extLst>
+              <a:ext uri="{FF2B5EF4-FFF2-40B4-BE49-F238E27FC236}">
+                <a16:creationId xmlns:a16="http://schemas.microsoft.com/office/drawing/2014/main" id="{8CBEB1D1-54AD-F9F6-4655-35D3968CAF40}"/>
+              </a:ext>
+            </a:extLst>
+          </p:cNvPr>
+          <p:cNvSpPr>
+            <a:spLocks noChangeArrowheads="1"/>
+          </p:cNvSpPr>
+          <p:nvPr/>
+        </p:nvSpPr>
+        <p:spPr bwMode="auto">
+          <a:xfrm>
+            <a:off x="0" y="0"/>
+            <a:ext cx="12192000" cy="457200"/>
+          </a:xfrm>
+          <a:prstGeom prst="rect">
+            <a:avLst/>
+          </a:prstGeom>
+          <a:noFill/>
+          <a:ln>
+            <a:noFill/>
+          </a:ln>
+          <a:effectLst/>
+          <a:extLst>
+            <a:ext uri="{909E8E84-426E-40DD-AFC4-6F175D3DCCD1}">
+              <a14:hiddenFill xmlns:a14="http://schemas.microsoft.com/office/drawing/2010/main">
+                <a:solidFill>
+                  <a:schemeClr val="accent1"/>
+                </a:solidFill>
+              </a14:hiddenFill>
+            </a:ext>
+            <a:ext uri="{91240B29-F687-4F45-9708-019B960494DF}">
+              <a14:hiddenLine xmlns:a14="http://schemas.microsoft.com/office/drawing/2010/main" w="9525">
+                <a:solidFill>
+                  <a:schemeClr val="tx1"/>
+                </a:solidFill>
+                <a:miter lim="800000"/>
+                <a:headEnd/>
+                <a:tailEnd/>
+              </a14:hiddenLine>
+            </a:ext>
+            <a:ext uri="{AF507438-7753-43E0-B8FC-AC1667EBCBE1}">
+              <a14:hiddenEffects xmlns:a14="http://schemas.microsoft.com/office/drawing/2010/main">
+                <a:effectLst>
+                  <a:outerShdw dist="35921" dir="2700000" algn="ctr" rotWithShape="0">
+                    <a:schemeClr val="bg2"/>
+                  </a:outerShdw>
+                </a:effectLst>
+              </a14:hiddenEffects>
+            </a:ext>
+          </a:extLst>
+        </p:spPr>
+        <p:txBody>
+          <a:bodyPr vert="horz" wrap="none" lIns="91440" tIns="45720" rIns="91440" bIns="45720" numCol="1" anchor="ctr" anchorCtr="0" compatLnSpc="1">
+            <a:prstTxWarp prst="textNoShape">
+              <a:avLst/>
+            </a:prstTxWarp>
+            <a:spAutoFit/>
+          </a:bodyPr>
+          <a:lstStyle/>
+          <a:p>
+            <a:pPr marL="0" marR="0" lvl="0" indent="0" algn="l" defTabSz="914400" rtl="0" eaLnBrk="0" fontAlgn="base" latinLnBrk="0" hangingPunct="0">
+              <a:lnSpc>
+                <a:spcPct val="100000"/>
+              </a:lnSpc>
+              <a:spcBef>
+                <a:spcPct val="0"/>
+              </a:spcBef>
+              <a:spcAft>
+                <a:spcPct val="0"/>
+              </a:spcAft>
+              <a:buClrTx/>
+              <a:buSzTx/>
+              <a:buFontTx/>
+              <a:buNone/>
+              <a:tabLst/>
+            </a:pPr>
+            <a:r>
+              <a:rPr kumimoji="0" lang="en-US" altLang="en-US" sz="1800" b="1" i="0" u="none" strike="noStrike" cap="none" normalizeH="0" baseline="0">
+                <a:ln>
+                  <a:noFill/>
+                </a:ln>
+                <a:solidFill>
+                  <a:schemeClr val="tx1"/>
+                </a:solidFill>
+                <a:effectLst/>
+                <a:latin typeface="Arial" panose="020B0604020202020204" pitchFamily="34" charset="0"/>
+              </a:rPr>
+              <a:t>Count Even Numbers</a:t>
+            </a:r>
+            <a:br>
+              <a:rPr kumimoji="0" lang="en-US" altLang="en-US" sz="1800" b="0" i="0" u="none" strike="noStrike" cap="none" normalizeH="0" baseline="0">
+                <a:ln>
+                  <a:noFill/>
+                </a:ln>
+                <a:solidFill>
+                  <a:schemeClr val="tx1"/>
+                </a:solidFill>
+                <a:effectLst/>
+                <a:latin typeface="Arial" panose="020B0604020202020204" pitchFamily="34" charset="0"/>
+              </a:rPr>
+            </a:br>
+            <a:r>
+              <a:rPr kumimoji="0" lang="en-US" altLang="en-US" sz="1800" b="0" i="0" u="none" strike="noStrike" cap="none" normalizeH="0" baseline="0">
+                <a:ln>
+                  <a:noFill/>
+                </a:ln>
+                <a:solidFill>
+                  <a:schemeClr val="tx1"/>
+                </a:solidFill>
+                <a:effectLst/>
+                <a:latin typeface="Arial" panose="020B0604020202020204" pitchFamily="34" charset="0"/>
+              </a:rPr>
+              <a:t>Write a program using a </a:t>
+            </a:r>
+            <a:r>
+              <a:rPr kumimoji="0" lang="en-US" altLang="en-US" sz="1000" b="0" i="0" u="none" strike="noStrike" cap="none" normalizeH="0" baseline="0">
+                <a:ln>
+                  <a:noFill/>
+                </a:ln>
+                <a:solidFill>
+                  <a:schemeClr val="tx1"/>
+                </a:solidFill>
+                <a:effectLst/>
+                <a:latin typeface="Arial Unicode MS"/>
+              </a:rPr>
+              <a:t>while</a:t>
+            </a:r>
+            <a:r>
+              <a:rPr kumimoji="0" lang="en-US" altLang="en-US" sz="800" b="0" i="0" u="none" strike="noStrike" cap="none" normalizeH="0" baseline="0">
+                <a:ln>
+                  <a:noFill/>
+                </a:ln>
+                <a:solidFill>
+                  <a:schemeClr val="tx1"/>
+                </a:solidFill>
+                <a:effectLst/>
+              </a:rPr>
+              <a:t> loop that asks the user to enter 7 numbers and counts how many of them are even. </a:t>
+            </a:r>
+            <a:endParaRPr kumimoji="0" lang="en-US" altLang="en-US" sz="1800" b="0" i="0" u="none" strike="noStrike" cap="none" normalizeH="0" baseline="0">
+              <a:ln>
+                <a:noFill/>
+              </a:ln>
+              <a:solidFill>
+                <a:schemeClr val="tx1"/>
+              </a:solidFill>
+              <a:effectLst/>
+              <a:latin typeface="Arial" panose="020B0604020202020204" pitchFamily="34" charset="0"/>
+            </a:endParaRPr>
+          </a:p>
+        </p:txBody>
+      </p:sp>
+      <p:sp>
+        <p:nvSpPr>
+          <p:cNvPr id="18" name="TextBox 17">
+            <a:extLst>
+              <a:ext uri="{FF2B5EF4-FFF2-40B4-BE49-F238E27FC236}">
+                <a16:creationId xmlns:a16="http://schemas.microsoft.com/office/drawing/2014/main" id="{426C44A7-10E6-662E-D9E2-B62E54EEC11C}"/>
+              </a:ext>
+            </a:extLst>
+          </p:cNvPr>
+          <p:cNvSpPr txBox="1"/>
+          <p:nvPr/>
+        </p:nvSpPr>
+        <p:spPr>
+          <a:xfrm>
+            <a:off x="1274885" y="2759838"/>
+            <a:ext cx="9642229" cy="2862322"/>
+          </a:xfrm>
+          <a:prstGeom prst="rect">
+            <a:avLst/>
+          </a:prstGeom>
+          <a:noFill/>
+        </p:spPr>
+        <p:txBody>
+          <a:bodyPr wrap="square">
+            <a:spAutoFit/>
+          </a:bodyPr>
+          <a:lstStyle/>
+          <a:p>
+            <a:r>
+              <a:rPr lang="en-US" b="1" dirty="0">
+                <a:solidFill>
+                  <a:schemeClr val="bg1"/>
+                </a:solidFill>
+              </a:rPr>
+              <a:t>3. Largest of Two Numbers</a:t>
+            </a:r>
+          </a:p>
+          <a:p>
+            <a:r>
+              <a:rPr lang="en-US" dirty="0">
+                <a:solidFill>
+                  <a:schemeClr val="bg1"/>
+                </a:solidFill>
+              </a:rPr>
+              <a:t>Ask the user for two numbers and display which one is larger.</a:t>
+            </a:r>
+            <a:br>
+              <a:rPr lang="en-US" dirty="0">
+                <a:solidFill>
+                  <a:schemeClr val="bg1"/>
+                </a:solidFill>
+              </a:rPr>
+            </a:br>
+            <a:r>
+              <a:rPr lang="en-US" dirty="0">
+                <a:solidFill>
+                  <a:schemeClr val="bg1"/>
+                </a:solidFill>
+              </a:rPr>
+              <a:t>If they are equal, display “Both numbers are equal.”</a:t>
+            </a:r>
+          </a:p>
+          <a:p>
+            <a:r>
+              <a:rPr lang="en-US" b="1" dirty="0">
+                <a:solidFill>
+                  <a:schemeClr val="bg1"/>
+                </a:solidFill>
+              </a:rPr>
+              <a:t>4. Grade Checker</a:t>
+            </a:r>
+          </a:p>
+          <a:p>
+            <a:r>
+              <a:rPr lang="en-US" dirty="0">
+                <a:solidFill>
+                  <a:schemeClr val="bg1"/>
+                </a:solidFill>
+              </a:rPr>
+              <a:t>Ask the user for a score (0–100).</a:t>
+            </a:r>
+          </a:p>
+          <a:p>
+            <a:r>
+              <a:rPr lang="en-US" dirty="0">
+                <a:solidFill>
+                  <a:schemeClr val="bg1"/>
+                </a:solidFill>
+              </a:rPr>
+              <a:t>90 and above → "A"</a:t>
+            </a:r>
+          </a:p>
+          <a:p>
+            <a:r>
+              <a:rPr lang="en-US" dirty="0">
+                <a:solidFill>
+                  <a:schemeClr val="bg1"/>
+                </a:solidFill>
+              </a:rPr>
+              <a:t>80–89 → "B"</a:t>
+            </a:r>
+          </a:p>
+          <a:p>
+            <a:r>
+              <a:rPr lang="en-US" dirty="0">
+                <a:solidFill>
+                  <a:schemeClr val="bg1"/>
+                </a:solidFill>
+              </a:rPr>
+              <a:t>70–79 → "C"</a:t>
+            </a:r>
+          </a:p>
+          <a:p>
+            <a:r>
+              <a:rPr lang="en-US" dirty="0">
+                <a:solidFill>
+                  <a:schemeClr val="bg1"/>
+                </a:solidFill>
+              </a:rPr>
+              <a:t>60–69 → "D"</a:t>
+            </a:r>
+          </a:p>
+          <a:p>
+            <a:r>
+              <a:rPr lang="en-US" dirty="0">
+                <a:solidFill>
+                  <a:schemeClr val="bg1"/>
+                </a:solidFill>
+              </a:rPr>
+              <a:t>Below 60 → "F"</a:t>
+            </a:r>
+          </a:p>
+        </p:txBody>
+      </p:sp>
+    </p:spTree>
+    <p:extLst>
+      <p:ext uri="{BB962C8B-B14F-4D97-AF65-F5344CB8AC3E}">
+        <p14:creationId xmlns:p14="http://schemas.microsoft.com/office/powerpoint/2010/main" val="3867110192"/>
+      </p:ext>
+    </p:extLst>
+  </p:cSld>
+  <p:clrMapOvr>
+    <a:masterClrMapping/>
+  </p:clrMapOvr>
+</p:sld>
+</file>
+
+<file path=ppt/slides/slide24.xml><?xml version="1.0" encoding="utf-8"?>
+<p:sld xmlns:a="http://schemas.openxmlformats.org/drawingml/2006/main" xmlns:r="http://schemas.openxmlformats.org/officeDocument/2006/relationships" xmlns:p="http://schemas.openxmlformats.org/presentationml/2006/main">
+  <p:cSld>
+    <p:spTree>
+      <p:nvGrpSpPr>
+        <p:cNvPr id="1" name="">
+          <a:extLst>
+            <a:ext uri="{FF2B5EF4-FFF2-40B4-BE49-F238E27FC236}">
+              <a16:creationId xmlns:a16="http://schemas.microsoft.com/office/drawing/2014/main" id="{5EB9DAF7-FC80-2774-36DD-E9ABF99E7CDD}"/>
+            </a:ext>
+          </a:extLst>
+        </p:cNvPr>
+        <p:cNvGrpSpPr/>
+        <p:nvPr/>
+      </p:nvGrpSpPr>
+      <p:grpSpPr>
+        <a:xfrm>
+          <a:off x="0" y="0"/>
+          <a:ext cx="0" cy="0"/>
+          <a:chOff x="0" y="0"/>
+          <a:chExt cx="0" cy="0"/>
+        </a:xfrm>
+      </p:grpSpPr>
+      <p:sp>
+        <p:nvSpPr>
+          <p:cNvPr id="2" name="Title 1">
+            <a:extLst>
+              <a:ext uri="{FF2B5EF4-FFF2-40B4-BE49-F238E27FC236}">
+                <a16:creationId xmlns:a16="http://schemas.microsoft.com/office/drawing/2014/main" id="{566DA731-F518-1AF4-94E7-B7216572D483}"/>
+              </a:ext>
+            </a:extLst>
+          </p:cNvPr>
+          <p:cNvSpPr>
+            <a:spLocks noGrp="1"/>
+          </p:cNvSpPr>
+          <p:nvPr>
+            <p:ph type="title"/>
+          </p:nvPr>
+        </p:nvSpPr>
+        <p:spPr>
+          <a:xfrm>
             <a:off x="594360" y="198408"/>
             <a:ext cx="10972800" cy="1574317"/>
           </a:xfrm>
@@ -13790,7 +14427,7 @@
           <p:cNvPr id="6" name="TextBox 5">
             <a:extLst>
               <a:ext uri="{FF2B5EF4-FFF2-40B4-BE49-F238E27FC236}">
-                <a16:creationId xmlns:a16="http://schemas.microsoft.com/office/drawing/2014/main" id="{07D91DDB-B160-1324-A2AA-2E682DF9191F}"/>
+                <a16:creationId xmlns:a16="http://schemas.microsoft.com/office/drawing/2014/main" id="{A3E73187-A251-AB72-C871-DB1953AD2C6F}"/>
               </a:ext>
             </a:extLst>
           </p:cNvPr>
@@ -13846,25 +14483,187 @@
                   <a:schemeClr val="bg1"/>
                 </a:solidFill>
               </a:rPr>
-              <a:t>Sum of Positive Numbers:</a:t>
-            </a:r>
-          </a:p>
-          <a:p>
-            <a:r>
+              <a:t>Count Even Numbers</a:t>
+            </a:r>
+            <a:br>
               <a:rPr lang="en-US" sz="2400" dirty="0">
                 <a:solidFill>
                   <a:schemeClr val="bg1"/>
                 </a:solidFill>
               </a:rPr>
-              <a:t>Write a program using a while loop that asks the user to enter 5 numbers and calculates the sum of all positive numbers only.</a:t>
-            </a:r>
+            </a:br>
+            <a:r>
+              <a:rPr lang="en-US" sz="2400" dirty="0">
+                <a:solidFill>
+                  <a:schemeClr val="bg1"/>
+                </a:solidFill>
+              </a:rPr>
+              <a:t>Write a program using a while loop that asks the user to enter 7 numbers and counts how many of them are even.</a:t>
+            </a:r>
+          </a:p>
+        </p:txBody>
+      </p:sp>
+      <p:sp>
+        <p:nvSpPr>
+          <p:cNvPr id="3" name="Rectangle 1">
+            <a:extLst>
+              <a:ext uri="{FF2B5EF4-FFF2-40B4-BE49-F238E27FC236}">
+                <a16:creationId xmlns:a16="http://schemas.microsoft.com/office/drawing/2014/main" id="{03C0B996-0C5F-66DF-E187-BD5CDDB5150F}"/>
+              </a:ext>
+            </a:extLst>
+          </p:cNvPr>
+          <p:cNvSpPr>
+            <a:spLocks noChangeArrowheads="1"/>
+          </p:cNvSpPr>
+          <p:nvPr/>
+        </p:nvSpPr>
+        <p:spPr bwMode="auto">
+          <a:xfrm>
+            <a:off x="0" y="0"/>
+            <a:ext cx="12192000" cy="457200"/>
+          </a:xfrm>
+          <a:prstGeom prst="rect">
+            <a:avLst/>
+          </a:prstGeom>
+          <a:noFill/>
+          <a:ln>
+            <a:noFill/>
+          </a:ln>
+          <a:effectLst/>
+          <a:extLst>
+            <a:ext uri="{909E8E84-426E-40DD-AFC4-6F175D3DCCD1}">
+              <a14:hiddenFill xmlns:a14="http://schemas.microsoft.com/office/drawing/2010/main">
+                <a:solidFill>
+                  <a:schemeClr val="accent1"/>
+                </a:solidFill>
+              </a14:hiddenFill>
+            </a:ext>
+            <a:ext uri="{91240B29-F687-4F45-9708-019B960494DF}">
+              <a14:hiddenLine xmlns:a14="http://schemas.microsoft.com/office/drawing/2010/main" w="9525">
+                <a:solidFill>
+                  <a:schemeClr val="tx1"/>
+                </a:solidFill>
+                <a:miter lim="800000"/>
+                <a:headEnd/>
+                <a:tailEnd/>
+              </a14:hiddenLine>
+            </a:ext>
+            <a:ext uri="{AF507438-7753-43E0-B8FC-AC1667EBCBE1}">
+              <a14:hiddenEffects xmlns:a14="http://schemas.microsoft.com/office/drawing/2010/main">
+                <a:effectLst>
+                  <a:outerShdw dist="35921" dir="2700000" algn="ctr" rotWithShape="0">
+                    <a:schemeClr val="bg2"/>
+                  </a:outerShdw>
+                </a:effectLst>
+              </a14:hiddenEffects>
+            </a:ext>
+          </a:extLst>
+        </p:spPr>
+        <p:txBody>
+          <a:bodyPr vert="horz" wrap="none" lIns="91440" tIns="45720" rIns="91440" bIns="45720" numCol="1" anchor="ctr" anchorCtr="0" compatLnSpc="1">
+            <a:prstTxWarp prst="textNoShape">
+              <a:avLst/>
+            </a:prstTxWarp>
+            <a:spAutoFit/>
+          </a:bodyPr>
+          <a:lstStyle/>
+          <a:p>
+            <a:pPr marL="0" marR="0" lvl="0" indent="0" algn="l" defTabSz="914400" rtl="0" eaLnBrk="0" fontAlgn="base" latinLnBrk="0" hangingPunct="0">
+              <a:lnSpc>
+                <a:spcPct val="100000"/>
+              </a:lnSpc>
+              <a:spcBef>
+                <a:spcPct val="0"/>
+              </a:spcBef>
+              <a:spcAft>
+                <a:spcPct val="0"/>
+              </a:spcAft>
+              <a:buClrTx/>
+              <a:buSzTx/>
+              <a:buFontTx/>
+              <a:buNone/>
+              <a:tabLst/>
+            </a:pPr>
+            <a:r>
+              <a:rPr kumimoji="0" lang="en-US" altLang="en-US" sz="1800" b="1" i="0" u="none" strike="noStrike" cap="none" normalizeH="0" baseline="0">
+                <a:ln>
+                  <a:noFill/>
+                </a:ln>
+                <a:solidFill>
+                  <a:schemeClr val="tx1"/>
+                </a:solidFill>
+                <a:effectLst/>
+                <a:latin typeface="Arial" panose="020B0604020202020204" pitchFamily="34" charset="0"/>
+              </a:rPr>
+              <a:t>Count Even Numbers</a:t>
+            </a:r>
+            <a:br>
+              <a:rPr kumimoji="0" lang="en-US" altLang="en-US" sz="1800" b="0" i="0" u="none" strike="noStrike" cap="none" normalizeH="0" baseline="0">
+                <a:ln>
+                  <a:noFill/>
+                </a:ln>
+                <a:solidFill>
+                  <a:schemeClr val="tx1"/>
+                </a:solidFill>
+                <a:effectLst/>
+                <a:latin typeface="Arial" panose="020B0604020202020204" pitchFamily="34" charset="0"/>
+              </a:rPr>
+            </a:br>
+            <a:r>
+              <a:rPr kumimoji="0" lang="en-US" altLang="en-US" sz="1800" b="0" i="0" u="none" strike="noStrike" cap="none" normalizeH="0" baseline="0">
+                <a:ln>
+                  <a:noFill/>
+                </a:ln>
+                <a:solidFill>
+                  <a:schemeClr val="tx1"/>
+                </a:solidFill>
+                <a:effectLst/>
+                <a:latin typeface="Arial" panose="020B0604020202020204" pitchFamily="34" charset="0"/>
+              </a:rPr>
+              <a:t>Write a program using a </a:t>
+            </a:r>
+            <a:r>
+              <a:rPr kumimoji="0" lang="en-US" altLang="en-US" sz="1000" b="0" i="0" u="none" strike="noStrike" cap="none" normalizeH="0" baseline="0">
+                <a:ln>
+                  <a:noFill/>
+                </a:ln>
+                <a:solidFill>
+                  <a:schemeClr val="tx1"/>
+                </a:solidFill>
+                <a:effectLst/>
+                <a:latin typeface="Arial Unicode MS"/>
+              </a:rPr>
+              <a:t>while</a:t>
+            </a:r>
+            <a:r>
+              <a:rPr kumimoji="0" lang="en-US" altLang="en-US" sz="800" b="0" i="0" u="none" strike="noStrike" cap="none" normalizeH="0" baseline="0">
+                <a:ln>
+                  <a:noFill/>
+                </a:ln>
+                <a:solidFill>
+                  <a:schemeClr val="tx1"/>
+                </a:solidFill>
+                <a:effectLst/>
+              </a:rPr>
+              <a:t> loop that asks the user to enter 7 numbers and counts how many of them are even. </a:t>
+            </a:r>
+            <a:endParaRPr kumimoji="0" lang="en-US" altLang="en-US" sz="1800" b="0" i="0" u="none" strike="noStrike" cap="none" normalizeH="0" baseline="0">
+              <a:ln>
+                <a:noFill/>
+              </a:ln>
+              <a:solidFill>
+                <a:schemeClr val="tx1"/>
+              </a:solidFill>
+              <a:effectLst/>
+              <a:latin typeface="Arial" panose="020B0604020202020204" pitchFamily="34" charset="0"/>
+            </a:endParaRPr>
           </a:p>
         </p:txBody>
       </p:sp>
     </p:spTree>
     <p:extLst>
       <p:ext uri="{BB962C8B-B14F-4D97-AF65-F5344CB8AC3E}">
-        <p14:creationId xmlns:p14="http://schemas.microsoft.com/office/powerpoint/2010/main" val="552872016"/>
+        <p14:creationId xmlns:p14="http://schemas.microsoft.com/office/powerpoint/2010/main" val="2296560159"/>
       </p:ext>
     </p:extLst>
   </p:cSld>
@@ -13874,7 +14673,7 @@
 </p:sld>
 </file>
 
-<file path=ppt/slides/slide24.xml><?xml version="1.0" encoding="utf-8"?>
+<file path=ppt/slides/slide25.xml><?xml version="1.0" encoding="utf-8"?>
 <p:sld xmlns:a="http://schemas.openxmlformats.org/drawingml/2006/main" xmlns:r="http://schemas.openxmlformats.org/officeDocument/2006/relationships" xmlns:p="http://schemas.openxmlformats.org/presentationml/2006/main">
   <p:cSld>
     <p:spTree>
@@ -14001,8 +14800,8 @@
         </p:nvSpPr>
         <p:spPr>
           <a:xfrm>
-            <a:off x="1101969" y="2509299"/>
-            <a:ext cx="6096000" cy="2308324"/>
+            <a:off x="1101968" y="2509299"/>
+            <a:ext cx="7408985" cy="2031325"/>
           </a:xfrm>
           <a:prstGeom prst="rect">
             <a:avLst/>
@@ -14066,7 +14865,7 @@
                   <a:schemeClr val="bg1"/>
                 </a:solidFill>
               </a:rPr>
-              <a:t>A popular server-side scripting language</a:t>
+              <a:t>A popular server-side (or back-end) Programming language</a:t>
             </a:r>
           </a:p>
           <a:p>
@@ -14676,105 +15475,6 @@
         <p:cNvPr id="1" name="">
           <a:extLst>
             <a:ext uri="{FF2B5EF4-FFF2-40B4-BE49-F238E27FC236}">
-              <a16:creationId xmlns:a16="http://schemas.microsoft.com/office/drawing/2014/main" id="{F010E072-38E3-B6F1-0129-99E2FE44049D}"/>
-            </a:ext>
-          </a:extLst>
-        </p:cNvPr>
-        <p:cNvGrpSpPr/>
-        <p:nvPr/>
-      </p:nvGrpSpPr>
-      <p:grpSpPr>
-        <a:xfrm>
-          <a:off x="0" y="0"/>
-          <a:ext cx="0" cy="0"/>
-          <a:chOff x="0" y="0"/>
-          <a:chExt cx="0" cy="0"/>
-        </a:xfrm>
-      </p:grpSpPr>
-      <p:sp>
-        <p:nvSpPr>
-          <p:cNvPr id="2" name="Title 1">
-            <a:extLst>
-              <a:ext uri="{FF2B5EF4-FFF2-40B4-BE49-F238E27FC236}">
-                <a16:creationId xmlns:a16="http://schemas.microsoft.com/office/drawing/2014/main" id="{E3B82544-9844-2CDD-A5BD-FE228C9D6EFF}"/>
-              </a:ext>
-            </a:extLst>
-          </p:cNvPr>
-          <p:cNvSpPr>
-            <a:spLocks noGrp="1"/>
-          </p:cNvSpPr>
-          <p:nvPr>
-            <p:ph type="title"/>
-          </p:nvPr>
-        </p:nvSpPr>
-        <p:spPr>
-          <a:xfrm>
-            <a:off x="594360" y="198408"/>
-            <a:ext cx="10972800" cy="1574317"/>
-          </a:xfrm>
-        </p:spPr>
-        <p:txBody>
-          <a:bodyPr/>
-          <a:lstStyle/>
-          <a:p>
-            <a:r>
-              <a:rPr lang="en-US" dirty="0"/>
-              <a:t>VARIABLES</a:t>
-            </a:r>
-          </a:p>
-        </p:txBody>
-      </p:sp>
-      <p:pic>
-        <p:nvPicPr>
-          <p:cNvPr id="7" name="Picture 6">
-            <a:extLst>
-              <a:ext uri="{FF2B5EF4-FFF2-40B4-BE49-F238E27FC236}">
-                <a16:creationId xmlns:a16="http://schemas.microsoft.com/office/drawing/2014/main" id="{4A4ECECE-A58D-DC06-14D4-3C2C688CB0E1}"/>
-              </a:ext>
-            </a:extLst>
-          </p:cNvPr>
-          <p:cNvPicPr>
-            <a:picLocks noChangeAspect="1"/>
-          </p:cNvPicPr>
-          <p:nvPr/>
-        </p:nvPicPr>
-        <p:blipFill>
-          <a:blip r:embed="rId3"/>
-          <a:stretch>
-            <a:fillRect/>
-          </a:stretch>
-        </p:blipFill>
-        <p:spPr>
-          <a:xfrm>
-            <a:off x="1007694" y="2609301"/>
-            <a:ext cx="9147193" cy="3392913"/>
-          </a:xfrm>
-          <a:prstGeom prst="rect">
-            <a:avLst/>
-          </a:prstGeom>
-        </p:spPr>
-      </p:pic>
-    </p:spTree>
-    <p:extLst>
-      <p:ext uri="{BB962C8B-B14F-4D97-AF65-F5344CB8AC3E}">
-        <p14:creationId xmlns:p14="http://schemas.microsoft.com/office/powerpoint/2010/main" val="438853737"/>
-      </p:ext>
-    </p:extLst>
-  </p:cSld>
-  <p:clrMapOvr>
-    <a:masterClrMapping/>
-  </p:clrMapOvr>
-</p:sld>
-</file>
-
-<file path=ppt/slides/slide8.xml><?xml version="1.0" encoding="utf-8"?>
-<p:sld xmlns:a="http://schemas.openxmlformats.org/drawingml/2006/main" xmlns:r="http://schemas.openxmlformats.org/officeDocument/2006/relationships" xmlns:p="http://schemas.openxmlformats.org/presentationml/2006/main">
-  <p:cSld>
-    <p:spTree>
-      <p:nvGrpSpPr>
-        <p:cNvPr id="1" name="">
-          <a:extLst>
-            <a:ext uri="{FF2B5EF4-FFF2-40B4-BE49-F238E27FC236}">
               <a16:creationId xmlns:a16="http://schemas.microsoft.com/office/drawing/2014/main" id="{FEA7E07F-BE99-352D-0A6B-826F6126FF83}"/>
             </a:ext>
           </a:extLst>
@@ -14943,7 +15643,7 @@
 </p:sld>
 </file>
 
-<file path=ppt/slides/slide9.xml><?xml version="1.0" encoding="utf-8"?>
+<file path=ppt/slides/slide8.xml><?xml version="1.0" encoding="utf-8"?>
 <p:sld xmlns:a="http://schemas.openxmlformats.org/drawingml/2006/main" xmlns:r="http://schemas.openxmlformats.org/officeDocument/2006/relationships" xmlns:p="http://schemas.openxmlformats.org/presentationml/2006/main">
   <p:cSld>
     <p:spTree>
@@ -15128,6 +15828,245 @@
     <p:extLst>
       <p:ext uri="{BB962C8B-B14F-4D97-AF65-F5344CB8AC3E}">
         <p14:creationId xmlns:p14="http://schemas.microsoft.com/office/powerpoint/2010/main" val="4249120116"/>
+      </p:ext>
+    </p:extLst>
+  </p:cSld>
+  <p:clrMapOvr>
+    <a:masterClrMapping/>
+  </p:clrMapOvr>
+</p:sld>
+</file>
+
+<file path=ppt/slides/slide9.xml><?xml version="1.0" encoding="utf-8"?>
+<p:sld xmlns:a="http://schemas.openxmlformats.org/drawingml/2006/main" xmlns:r="http://schemas.openxmlformats.org/officeDocument/2006/relationships" xmlns:p="http://schemas.openxmlformats.org/presentationml/2006/main">
+  <p:cSld>
+    <p:spTree>
+      <p:nvGrpSpPr>
+        <p:cNvPr id="1" name="">
+          <a:extLst>
+            <a:ext uri="{FF2B5EF4-FFF2-40B4-BE49-F238E27FC236}">
+              <a16:creationId xmlns:a16="http://schemas.microsoft.com/office/drawing/2014/main" id="{C81A9022-61DE-8040-3283-B149236C8358}"/>
+            </a:ext>
+          </a:extLst>
+        </p:cNvPr>
+        <p:cNvGrpSpPr/>
+        <p:nvPr/>
+      </p:nvGrpSpPr>
+      <p:grpSpPr>
+        <a:xfrm>
+          <a:off x="0" y="0"/>
+          <a:ext cx="0" cy="0"/>
+          <a:chOff x="0" y="0"/>
+          <a:chExt cx="0" cy="0"/>
+        </a:xfrm>
+      </p:grpSpPr>
+      <p:sp>
+        <p:nvSpPr>
+          <p:cNvPr id="2" name="Title 1">
+            <a:extLst>
+              <a:ext uri="{FF2B5EF4-FFF2-40B4-BE49-F238E27FC236}">
+                <a16:creationId xmlns:a16="http://schemas.microsoft.com/office/drawing/2014/main" id="{97BE74AC-BA3E-1585-F9E9-2063145403F2}"/>
+              </a:ext>
+            </a:extLst>
+          </p:cNvPr>
+          <p:cNvSpPr>
+            <a:spLocks noGrp="1"/>
+          </p:cNvSpPr>
+          <p:nvPr>
+            <p:ph type="title"/>
+          </p:nvPr>
+        </p:nvSpPr>
+        <p:spPr>
+          <a:xfrm>
+            <a:off x="594360" y="198408"/>
+            <a:ext cx="10972800" cy="1574317"/>
+          </a:xfrm>
+        </p:spPr>
+        <p:txBody>
+          <a:bodyPr/>
+          <a:lstStyle/>
+          <a:p>
+            <a:r>
+              <a:rPr lang="en-US" dirty="0"/>
+              <a:t>Input and Output in PHP</a:t>
+            </a:r>
+          </a:p>
+        </p:txBody>
+      </p:sp>
+      <p:sp>
+        <p:nvSpPr>
+          <p:cNvPr id="5" name="TextBox 4">
+            <a:extLst>
+              <a:ext uri="{FF2B5EF4-FFF2-40B4-BE49-F238E27FC236}">
+                <a16:creationId xmlns:a16="http://schemas.microsoft.com/office/drawing/2014/main" id="{F23A74C3-7A33-BD5A-FE65-AEFCDF123290}"/>
+              </a:ext>
+            </a:extLst>
+          </p:cNvPr>
+          <p:cNvSpPr txBox="1"/>
+          <p:nvPr/>
+        </p:nvSpPr>
+        <p:spPr>
+          <a:xfrm>
+            <a:off x="1086729" y="2370689"/>
+            <a:ext cx="1972994" cy="646331"/>
+          </a:xfrm>
+          <a:prstGeom prst="rect">
+            <a:avLst/>
+          </a:prstGeom>
+          <a:noFill/>
+        </p:spPr>
+        <p:txBody>
+          <a:bodyPr wrap="square">
+            <a:spAutoFit/>
+          </a:bodyPr>
+          <a:lstStyle/>
+          <a:p>
+            <a:endParaRPr lang="en-US" b="1" dirty="0">
+              <a:solidFill>
+                <a:schemeClr val="bg1"/>
+              </a:solidFill>
+            </a:endParaRPr>
+          </a:p>
+          <a:p>
+            <a:r>
+              <a:rPr lang="en-US" dirty="0">
+                <a:solidFill>
+                  <a:schemeClr val="bg1"/>
+                </a:solidFill>
+              </a:rPr>
+              <a:t>    </a:t>
+            </a:r>
+            <a:r>
+              <a:rPr lang="en-US" dirty="0" err="1">
+                <a:solidFill>
+                  <a:schemeClr val="bg1"/>
+                </a:solidFill>
+              </a:rPr>
+              <a:t>fgets</a:t>
+            </a:r>
+            <a:r>
+              <a:rPr lang="en-US" dirty="0">
+                <a:solidFill>
+                  <a:schemeClr val="bg1"/>
+                </a:solidFill>
+              </a:rPr>
+              <a:t>(STDIN)</a:t>
+            </a:r>
+          </a:p>
+        </p:txBody>
+      </p:sp>
+      <p:sp>
+        <p:nvSpPr>
+          <p:cNvPr id="4" name="TextBox 3">
+            <a:extLst>
+              <a:ext uri="{FF2B5EF4-FFF2-40B4-BE49-F238E27FC236}">
+                <a16:creationId xmlns:a16="http://schemas.microsoft.com/office/drawing/2014/main" id="{EA5CDAFE-2DD0-0ADA-0F1A-0980054A769F}"/>
+              </a:ext>
+            </a:extLst>
+          </p:cNvPr>
+          <p:cNvSpPr txBox="1"/>
+          <p:nvPr/>
+        </p:nvSpPr>
+        <p:spPr>
+          <a:xfrm>
+            <a:off x="8135816" y="2647688"/>
+            <a:ext cx="6096000" cy="369332"/>
+          </a:xfrm>
+          <a:prstGeom prst="rect">
+            <a:avLst/>
+          </a:prstGeom>
+          <a:noFill/>
+        </p:spPr>
+        <p:txBody>
+          <a:bodyPr wrap="square">
+            <a:spAutoFit/>
+          </a:bodyPr>
+          <a:lstStyle/>
+          <a:p>
+            <a:r>
+              <a:rPr lang="en-US" dirty="0" err="1">
+                <a:solidFill>
+                  <a:schemeClr val="bg1"/>
+                </a:solidFill>
+              </a:rPr>
+              <a:t>readline</a:t>
+            </a:r>
+            <a:r>
+              <a:rPr lang="en-US" dirty="0">
+                <a:solidFill>
+                  <a:schemeClr val="bg1"/>
+                </a:solidFill>
+              </a:rPr>
+              <a:t>()</a:t>
+            </a:r>
+            <a:endParaRPr lang="en-US" dirty="0"/>
+          </a:p>
+        </p:txBody>
+      </p:sp>
+      <p:pic>
+        <p:nvPicPr>
+          <p:cNvPr id="7" name="Picture 6">
+            <a:extLst>
+              <a:ext uri="{FF2B5EF4-FFF2-40B4-BE49-F238E27FC236}">
+                <a16:creationId xmlns:a16="http://schemas.microsoft.com/office/drawing/2014/main" id="{4347FC82-A8A0-94AD-7701-46EA0379377C}"/>
+              </a:ext>
+            </a:extLst>
+          </p:cNvPr>
+          <p:cNvPicPr>
+            <a:picLocks noChangeAspect="1"/>
+          </p:cNvPicPr>
+          <p:nvPr/>
+        </p:nvPicPr>
+        <p:blipFill>
+          <a:blip r:embed="rId3"/>
+          <a:stretch>
+            <a:fillRect/>
+          </a:stretch>
+        </p:blipFill>
+        <p:spPr>
+          <a:xfrm>
+            <a:off x="6569011" y="3201292"/>
+            <a:ext cx="5363323" cy="3296110"/>
+          </a:xfrm>
+          <a:prstGeom prst="rect">
+            <a:avLst/>
+          </a:prstGeom>
+        </p:spPr>
+      </p:pic>
+      <p:pic>
+        <p:nvPicPr>
+          <p:cNvPr id="9" name="Picture 8">
+            <a:extLst>
+              <a:ext uri="{FF2B5EF4-FFF2-40B4-BE49-F238E27FC236}">
+                <a16:creationId xmlns:a16="http://schemas.microsoft.com/office/drawing/2014/main" id="{38E679F4-8F04-1418-F040-ECED70B0F9C1}"/>
+              </a:ext>
+            </a:extLst>
+          </p:cNvPr>
+          <p:cNvPicPr>
+            <a:picLocks noChangeAspect="1"/>
+          </p:cNvPicPr>
+          <p:nvPr/>
+        </p:nvPicPr>
+        <p:blipFill>
+          <a:blip r:embed="rId4"/>
+          <a:stretch>
+            <a:fillRect/>
+          </a:stretch>
+        </p:blipFill>
+        <p:spPr>
+          <a:xfrm>
+            <a:off x="265886" y="3201292"/>
+            <a:ext cx="5830114" cy="3296110"/>
+          </a:xfrm>
+          <a:prstGeom prst="rect">
+            <a:avLst/>
+          </a:prstGeom>
+        </p:spPr>
+      </p:pic>
+    </p:spTree>
+    <p:extLst>
+      <p:ext uri="{BB962C8B-B14F-4D97-AF65-F5344CB8AC3E}">
+        <p14:creationId xmlns:p14="http://schemas.microsoft.com/office/powerpoint/2010/main" val="2752093103"/>
       </p:ext>
     </p:extLst>
   </p:cSld>
@@ -15929,6 +16868,15 @@
 </file>
 
 <file path=customXml/item1.xml><?xml version="1.0" encoding="utf-8"?>
+<?mso-contentType ?>
+<FormTemplates xmlns="http://schemas.microsoft.com/sharepoint/v3/contenttype/forms">
+  <Display>DocumentLibraryForm</Display>
+  <Edit>DocumentLibraryForm</Edit>
+  <New>DocumentLibraryForm</New>
+</FormTemplates>
+</file>
+
+<file path=customXml/item2.xml><?xml version="1.0" encoding="utf-8"?>
 <p:properties xmlns:p="http://schemas.microsoft.com/office/2006/metadata/properties" xmlns:xsi="http://www.w3.org/2001/XMLSchema-instance" xmlns:pc="http://schemas.microsoft.com/office/infopath/2007/PartnerControls">
   <documentManagement>
     <Background xmlns="71af3243-3dd4-4a8d-8c0d-dd76da1f02a5">false</Background>
@@ -15946,15 +16894,6 @@
     <MediaServiceKeyPoints xmlns="71af3243-3dd4-4a8d-8c0d-dd76da1f02a5" xsi:nil="true"/>
   </documentManagement>
 </p:properties>
-</file>
-
-<file path=customXml/item2.xml><?xml version="1.0" encoding="utf-8"?>
-<?mso-contentType ?>
-<FormTemplates xmlns="http://schemas.microsoft.com/sharepoint/v3/contenttype/forms">
-  <Display>DocumentLibraryForm</Display>
-  <Edit>DocumentLibraryForm</Edit>
-  <New>DocumentLibraryForm</New>
-</FormTemplates>
 </file>
 
 <file path=customXml/item3.xml><?xml version="1.0" encoding="utf-8"?>
@@ -16270,6 +17209,14 @@
 </file>
 
 <file path=customXml/itemProps1.xml><?xml version="1.0" encoding="utf-8"?>
+<ds:datastoreItem xmlns:ds="http://schemas.openxmlformats.org/officeDocument/2006/customXml" ds:itemID="{C21FFAC0-05A2-416A-B06C-C248395482CF}">
+  <ds:schemaRefs>
+    <ds:schemaRef ds:uri="http://schemas.microsoft.com/sharepoint/v3/contenttype/forms"/>
+  </ds:schemaRefs>
+</ds:datastoreItem>
+</file>
+
+<file path=customXml/itemProps2.xml><?xml version="1.0" encoding="utf-8"?>
 <ds:datastoreItem xmlns:ds="http://schemas.openxmlformats.org/officeDocument/2006/customXml" ds:itemID="{4F4B194E-8B30-4377-8C59-ECFB902D2A26}">
   <ds:schemaRefs>
     <ds:schemaRef ds:uri="http://schemas.microsoft.com/office/2006/metadata/properties"/>
@@ -16277,14 +17224,6 @@
     <ds:schemaRef ds:uri="71af3243-3dd4-4a8d-8c0d-dd76da1f02a5"/>
     <ds:schemaRef ds:uri="http://schemas.microsoft.com/sharepoint/v3"/>
     <ds:schemaRef ds:uri="230e9df3-be65-4c73-a93b-d1236ebd677e"/>
-  </ds:schemaRefs>
-</ds:datastoreItem>
-</file>
-
-<file path=customXml/itemProps2.xml><?xml version="1.0" encoding="utf-8"?>
-<ds:datastoreItem xmlns:ds="http://schemas.openxmlformats.org/officeDocument/2006/customXml" ds:itemID="{C21FFAC0-05A2-416A-B06C-C248395482CF}">
-  <ds:schemaRefs>
-    <ds:schemaRef ds:uri="http://schemas.microsoft.com/sharepoint/v3/contenttype/forms"/>
   </ds:schemaRefs>
 </ds:datastoreItem>
 </file>

--- a/OOP/Pre-lim/Week 1/Lab/Basics Syntax of PHP.pptx
+++ b/OOP/Pre-lim/Week 1/Lab/Basics Syntax of PHP.pptx
@@ -214,7 +214,7 @@
           <a:p>
             <a:fld id="{1EBEDD12-BCD5-485B-BCBC-34BB01D7923C}" type="datetimeFigureOut">
               <a:rPr lang="en-US" smtClean="0"/>
-              <a:t>8/12/2025</a:t>
+              <a:t>8/13/2025</a:t>
             </a:fld>
             <a:endParaRPr lang="en-US" dirty="0"/>
           </a:p>
@@ -428,7 +428,7 @@
           <a:p>
             <a:fld id="{6EE7A52F-9D89-7442-A8E9-48D1527B5F6B}" type="datetimeFigureOut">
               <a:rPr lang="en-US" smtClean="0"/>
-              <a:t>8/12/2025</a:t>
+              <a:t>8/13/2025</a:t>
             </a:fld>
             <a:endParaRPr lang="en-US" dirty="0"/>
           </a:p>
@@ -16868,15 +16868,6 @@
 </file>
 
 <file path=customXml/item1.xml><?xml version="1.0" encoding="utf-8"?>
-<?mso-contentType ?>
-<FormTemplates xmlns="http://schemas.microsoft.com/sharepoint/v3/contenttype/forms">
-  <Display>DocumentLibraryForm</Display>
-  <Edit>DocumentLibraryForm</Edit>
-  <New>DocumentLibraryForm</New>
-</FormTemplates>
-</file>
-
-<file path=customXml/item2.xml><?xml version="1.0" encoding="utf-8"?>
 <p:properties xmlns:p="http://schemas.microsoft.com/office/2006/metadata/properties" xmlns:xsi="http://www.w3.org/2001/XMLSchema-instance" xmlns:pc="http://schemas.microsoft.com/office/infopath/2007/PartnerControls">
   <documentManagement>
     <Background xmlns="71af3243-3dd4-4a8d-8c0d-dd76da1f02a5">false</Background>
@@ -16894,6 +16885,15 @@
     <MediaServiceKeyPoints xmlns="71af3243-3dd4-4a8d-8c0d-dd76da1f02a5" xsi:nil="true"/>
   </documentManagement>
 </p:properties>
+</file>
+
+<file path=customXml/item2.xml><?xml version="1.0" encoding="utf-8"?>
+<?mso-contentType ?>
+<FormTemplates xmlns="http://schemas.microsoft.com/sharepoint/v3/contenttype/forms">
+  <Display>DocumentLibraryForm</Display>
+  <Edit>DocumentLibraryForm</Edit>
+  <New>DocumentLibraryForm</New>
+</FormTemplates>
 </file>
 
 <file path=customXml/item3.xml><?xml version="1.0" encoding="utf-8"?>
@@ -17209,14 +17209,6 @@
 </file>
 
 <file path=customXml/itemProps1.xml><?xml version="1.0" encoding="utf-8"?>
-<ds:datastoreItem xmlns:ds="http://schemas.openxmlformats.org/officeDocument/2006/customXml" ds:itemID="{C21FFAC0-05A2-416A-B06C-C248395482CF}">
-  <ds:schemaRefs>
-    <ds:schemaRef ds:uri="http://schemas.microsoft.com/sharepoint/v3/contenttype/forms"/>
-  </ds:schemaRefs>
-</ds:datastoreItem>
-</file>
-
-<file path=customXml/itemProps2.xml><?xml version="1.0" encoding="utf-8"?>
 <ds:datastoreItem xmlns:ds="http://schemas.openxmlformats.org/officeDocument/2006/customXml" ds:itemID="{4F4B194E-8B30-4377-8C59-ECFB902D2A26}">
   <ds:schemaRefs>
     <ds:schemaRef ds:uri="http://schemas.microsoft.com/office/2006/metadata/properties"/>
@@ -17224,6 +17216,14 @@
     <ds:schemaRef ds:uri="71af3243-3dd4-4a8d-8c0d-dd76da1f02a5"/>
     <ds:schemaRef ds:uri="http://schemas.microsoft.com/sharepoint/v3"/>
     <ds:schemaRef ds:uri="230e9df3-be65-4c73-a93b-d1236ebd677e"/>
+  </ds:schemaRefs>
+</ds:datastoreItem>
+</file>
+
+<file path=customXml/itemProps2.xml><?xml version="1.0" encoding="utf-8"?>
+<ds:datastoreItem xmlns:ds="http://schemas.openxmlformats.org/officeDocument/2006/customXml" ds:itemID="{C21FFAC0-05A2-416A-B06C-C248395482CF}">
+  <ds:schemaRefs>
+    <ds:schemaRef ds:uri="http://schemas.microsoft.com/sharepoint/v3/contenttype/forms"/>
   </ds:schemaRefs>
 </ds:datastoreItem>
 </file>

--- a/OOP/Pre-lim/Week 1/Lab/Basics Syntax of PHP.pptx
+++ b/OOP/Pre-lim/Week 1/Lab/Basics Syntax of PHP.pptx
@@ -3287,6 +3287,10 @@
           <a:bodyPr/>
           <a:lstStyle/>
           <a:p>
+            <a:r>
+              <a:rPr lang="en-US"/>
+              <a:t>Trim remove spaces </a:t>
+            </a:r>
             <a:endParaRPr lang="en-US" dirty="0"/>
           </a:p>
         </p:txBody>
@@ -16868,6 +16872,15 @@
 </file>
 
 <file path=customXml/item1.xml><?xml version="1.0" encoding="utf-8"?>
+<?mso-contentType ?>
+<FormTemplates xmlns="http://schemas.microsoft.com/sharepoint/v3/contenttype/forms">
+  <Display>DocumentLibraryForm</Display>
+  <Edit>DocumentLibraryForm</Edit>
+  <New>DocumentLibraryForm</New>
+</FormTemplates>
+</file>
+
+<file path=customXml/item2.xml><?xml version="1.0" encoding="utf-8"?>
 <p:properties xmlns:p="http://schemas.microsoft.com/office/2006/metadata/properties" xmlns:xsi="http://www.w3.org/2001/XMLSchema-instance" xmlns:pc="http://schemas.microsoft.com/office/infopath/2007/PartnerControls">
   <documentManagement>
     <Background xmlns="71af3243-3dd4-4a8d-8c0d-dd76da1f02a5">false</Background>
@@ -16885,15 +16898,6 @@
     <MediaServiceKeyPoints xmlns="71af3243-3dd4-4a8d-8c0d-dd76da1f02a5" xsi:nil="true"/>
   </documentManagement>
 </p:properties>
-</file>
-
-<file path=customXml/item2.xml><?xml version="1.0" encoding="utf-8"?>
-<?mso-contentType ?>
-<FormTemplates xmlns="http://schemas.microsoft.com/sharepoint/v3/contenttype/forms">
-  <Display>DocumentLibraryForm</Display>
-  <Edit>DocumentLibraryForm</Edit>
-  <New>DocumentLibraryForm</New>
-</FormTemplates>
 </file>
 
 <file path=customXml/item3.xml><?xml version="1.0" encoding="utf-8"?>
@@ -17209,6 +17213,14 @@
 </file>
 
 <file path=customXml/itemProps1.xml><?xml version="1.0" encoding="utf-8"?>
+<ds:datastoreItem xmlns:ds="http://schemas.openxmlformats.org/officeDocument/2006/customXml" ds:itemID="{C21FFAC0-05A2-416A-B06C-C248395482CF}">
+  <ds:schemaRefs>
+    <ds:schemaRef ds:uri="http://schemas.microsoft.com/sharepoint/v3/contenttype/forms"/>
+  </ds:schemaRefs>
+</ds:datastoreItem>
+</file>
+
+<file path=customXml/itemProps2.xml><?xml version="1.0" encoding="utf-8"?>
 <ds:datastoreItem xmlns:ds="http://schemas.openxmlformats.org/officeDocument/2006/customXml" ds:itemID="{4F4B194E-8B30-4377-8C59-ECFB902D2A26}">
   <ds:schemaRefs>
     <ds:schemaRef ds:uri="http://schemas.microsoft.com/office/2006/metadata/properties"/>
@@ -17216,14 +17228,6 @@
     <ds:schemaRef ds:uri="71af3243-3dd4-4a8d-8c0d-dd76da1f02a5"/>
     <ds:schemaRef ds:uri="http://schemas.microsoft.com/sharepoint/v3"/>
     <ds:schemaRef ds:uri="230e9df3-be65-4c73-a93b-d1236ebd677e"/>
-  </ds:schemaRefs>
-</ds:datastoreItem>
-</file>
-
-<file path=customXml/itemProps2.xml><?xml version="1.0" encoding="utf-8"?>
-<ds:datastoreItem xmlns:ds="http://schemas.openxmlformats.org/officeDocument/2006/customXml" ds:itemID="{C21FFAC0-05A2-416A-B06C-C248395482CF}">
-  <ds:schemaRefs>
-    <ds:schemaRef ds:uri="http://schemas.microsoft.com/sharepoint/v3/contenttype/forms"/>
   </ds:schemaRefs>
 </ds:datastoreItem>
 </file>
